--- a/English/1.Importation techniques/3.Import multiple files.pptx
+++ b/English/1.Importation techniques/3.Import multiple files.pptx
@@ -18,7 +18,7 @@
   <p:notesSz cx="6858000" cy="9144000"/>
   <p:defaultTextStyle>
     <a:defPPr>
-      <a:defRPr lang="en-US"/>
+      <a:defRPr lang="en"/>
     </a:defPPr>
     <a:lvl1pPr marL="0" algn="l" defTabSz="914400" rtl="0" eaLnBrk="1" latinLnBrk="0" hangingPunct="1">
       <a:defRPr sz="1800" kern="1200">
@@ -201,7 +201,7 @@
           <a:p>
             <a:fld id="{056BA3B8-9F76-4D81-B71D-76CB85363062}" type="datetimeFigureOut">
               <a:rPr lang="en-US" smtClean="0"/>
-              <a:t>12/29/2024</a:t>
+              <a:t>2/25/2025</a:t>
             </a:fld>
             <a:endParaRPr lang="en-US"/>
           </a:p>
@@ -852,7 +852,7 @@
           <a:p>
             <a:fld id="{6F01DA4D-20EA-48D2-973C-0311EC3005D6}" type="datetimeFigureOut">
               <a:rPr lang="en-US" smtClean="0"/>
-              <a:t>12/29/2024</a:t>
+              <a:t>2/25/2025</a:t>
             </a:fld>
             <a:endParaRPr lang="en-US"/>
           </a:p>
@@ -1022,7 +1022,7 @@
           <a:p>
             <a:fld id="{6F01DA4D-20EA-48D2-973C-0311EC3005D6}" type="datetimeFigureOut">
               <a:rPr lang="en-US" smtClean="0"/>
-              <a:t>12/29/2024</a:t>
+              <a:t>2/25/2025</a:t>
             </a:fld>
             <a:endParaRPr lang="en-US"/>
           </a:p>
@@ -1202,7 +1202,7 @@
           <a:p>
             <a:fld id="{6F01DA4D-20EA-48D2-973C-0311EC3005D6}" type="datetimeFigureOut">
               <a:rPr lang="en-US" smtClean="0"/>
-              <a:t>12/29/2024</a:t>
+              <a:t>2/25/2025</a:t>
             </a:fld>
             <a:endParaRPr lang="en-US"/>
           </a:p>
@@ -1372,7 +1372,7 @@
           <a:p>
             <a:fld id="{6F01DA4D-20EA-48D2-973C-0311EC3005D6}" type="datetimeFigureOut">
               <a:rPr lang="en-US" smtClean="0"/>
-              <a:t>12/29/2024</a:t>
+              <a:t>2/25/2025</a:t>
             </a:fld>
             <a:endParaRPr lang="en-US"/>
           </a:p>
@@ -1618,7 +1618,7 @@
           <a:p>
             <a:fld id="{6F01DA4D-20EA-48D2-973C-0311EC3005D6}" type="datetimeFigureOut">
               <a:rPr lang="en-US" smtClean="0"/>
-              <a:t>12/29/2024</a:t>
+              <a:t>2/25/2025</a:t>
             </a:fld>
             <a:endParaRPr lang="en-US"/>
           </a:p>
@@ -1850,7 +1850,7 @@
           <a:p>
             <a:fld id="{6F01DA4D-20EA-48D2-973C-0311EC3005D6}" type="datetimeFigureOut">
               <a:rPr lang="en-US" smtClean="0"/>
-              <a:t>12/29/2024</a:t>
+              <a:t>2/25/2025</a:t>
             </a:fld>
             <a:endParaRPr lang="en-US"/>
           </a:p>
@@ -2217,7 +2217,7 @@
           <a:p>
             <a:fld id="{6F01DA4D-20EA-48D2-973C-0311EC3005D6}" type="datetimeFigureOut">
               <a:rPr lang="en-US" smtClean="0"/>
-              <a:t>12/29/2024</a:t>
+              <a:t>2/25/2025</a:t>
             </a:fld>
             <a:endParaRPr lang="en-US"/>
           </a:p>
@@ -2335,7 +2335,7 @@
           <a:p>
             <a:fld id="{6F01DA4D-20EA-48D2-973C-0311EC3005D6}" type="datetimeFigureOut">
               <a:rPr lang="en-US" smtClean="0"/>
-              <a:t>12/29/2024</a:t>
+              <a:t>2/25/2025</a:t>
             </a:fld>
             <a:endParaRPr lang="en-US"/>
           </a:p>
@@ -2430,7 +2430,7 @@
           <a:p>
             <a:fld id="{6F01DA4D-20EA-48D2-973C-0311EC3005D6}" type="datetimeFigureOut">
               <a:rPr lang="en-US" smtClean="0"/>
-              <a:t>12/29/2024</a:t>
+              <a:t>2/25/2025</a:t>
             </a:fld>
             <a:endParaRPr lang="en-US"/>
           </a:p>
@@ -2707,7 +2707,7 @@
           <a:p>
             <a:fld id="{6F01DA4D-20EA-48D2-973C-0311EC3005D6}" type="datetimeFigureOut">
               <a:rPr lang="en-US" smtClean="0"/>
-              <a:t>12/29/2024</a:t>
+              <a:t>2/25/2025</a:t>
             </a:fld>
             <a:endParaRPr lang="en-US"/>
           </a:p>
@@ -2960,7 +2960,7 @@
           <a:p>
             <a:fld id="{6F01DA4D-20EA-48D2-973C-0311EC3005D6}" type="datetimeFigureOut">
               <a:rPr lang="en-US" smtClean="0"/>
-              <a:t>12/29/2024</a:t>
+              <a:t>2/25/2025</a:t>
             </a:fld>
             <a:endParaRPr lang="en-US"/>
           </a:p>
@@ -3173,7 +3173,7 @@
           <a:p>
             <a:fld id="{6F01DA4D-20EA-48D2-973C-0311EC3005D6}" type="datetimeFigureOut">
               <a:rPr lang="en-US" smtClean="0"/>
-              <a:t>12/29/2024</a:t>
+              <a:t>2/25/2025</a:t>
             </a:fld>
             <a:endParaRPr lang="en-US"/>
           </a:p>
@@ -3594,8 +3594,8 @@
         </p:nvSpPr>
         <p:spPr>
           <a:xfrm>
-            <a:off x="1384513" y="1790391"/>
-            <a:ext cx="9199606" cy="2554545"/>
+            <a:off x="1440957" y="1141280"/>
+            <a:ext cx="9199606" cy="3785652"/>
           </a:xfrm>
           <a:prstGeom prst="rect">
             <a:avLst/>
@@ -3608,9 +3608,9 @@
           </a:bodyPr>
           <a:lstStyle/>
           <a:p>
-            <a:pPr algn="ctr"/>
-            <a:r>
-              <a:rPr lang="en-US" sz="8000" b="1" dirty="0" smtClean="0">
+            <a:pPr xmlns:a="http://schemas.openxmlformats.org/drawingml/2006/main" algn="ctr"/>
+            <a:r xmlns:a="http://schemas.openxmlformats.org/drawingml/2006/main">
+              <a:rPr lang="en" sz="8000" b="1" dirty="0" smtClean="0">
                 <a:solidFill>
                   <a:srgbClr val="7030A0"/>
                 </a:solidFill>
@@ -3620,8 +3620,8 @@
               </a:rPr>
               <a:t>Import </a:t>
             </a:r>
-            <a:r>
-              <a:rPr lang="fr-FR" sz="8000" b="1" dirty="0" smtClean="0">
+            <a:r xmlns:a="http://schemas.openxmlformats.org/drawingml/2006/main">
+              <a:rPr lang="en" sz="8000" b="1" dirty="0" err="1" smtClean="0">
                 <a:solidFill>
                   <a:srgbClr val="7030A0"/>
                 </a:solidFill>
@@ -3629,8 +3629,33 @@
                 <a:ea typeface="Verdana" panose="020B0604030504040204" pitchFamily="34" charset="0"/>
                 <a:cs typeface="Segoe UI" panose="020B0502040204020203" pitchFamily="34" charset="0"/>
               </a:rPr>
-              <a:t>multiple files</a:t>
-            </a:r>
+              <a:t>files</a:t>
+            </a:r>
+            <a:r xmlns:a="http://schemas.openxmlformats.org/drawingml/2006/main">
+              <a:rPr lang="en" sz="8000" b="1" dirty="0" smtClean="0">
+                <a:solidFill>
+                  <a:srgbClr val="7030A0"/>
+                </a:solidFill>
+                <a:latin typeface="Segoe UI" panose="020B0502040204020203" pitchFamily="34" charset="0"/>
+                <a:ea typeface="Verdana" panose="020B0604030504040204" pitchFamily="34" charset="0"/>
+                <a:cs typeface="Segoe UI" panose="020B0502040204020203" pitchFamily="34" charset="0"/>
+              </a:rPr>
+              <a:t> </a:t>
+            </a:r>
+            <a:r xmlns:a="http://schemas.openxmlformats.org/drawingml/2006/main">
+              <a:rPr lang="en" sz="8000" b="1" dirty="0" smtClean="0">
+                <a:solidFill>
+                  <a:srgbClr val="7030A0"/>
+                </a:solidFill>
+                <a:latin typeface="Segoe UI" panose="020B0502040204020203" pitchFamily="34" charset="0"/>
+                <a:ea typeface="Verdana" panose="020B0604030504040204" pitchFamily="34" charset="0"/>
+                <a:cs typeface="Segoe UI" panose="020B0502040204020203" pitchFamily="34" charset="0"/>
+              </a:rPr>
+              <a:t>multiples</a:t>
+            </a:r>
+          </a:p>
+          <a:p>
+            <a:pPr algn="ctr"/>
             <a:endParaRPr lang="en-US" sz="8000" b="1" dirty="0">
               <a:solidFill>
                 <a:srgbClr val="7030A0"/>
@@ -3644,14 +3669,14 @@
       </p:sp>
       <p:sp>
         <p:nvSpPr>
-          <p:cNvPr id="5" name="TextBox 4"/>
+          <p:cNvPr id="4" name="TextBox 3"/>
           <p:cNvSpPr txBox="1"/>
           <p:nvPr/>
         </p:nvSpPr>
         <p:spPr>
           <a:xfrm>
-            <a:off x="1431389" y="1857419"/>
-            <a:ext cx="9199606" cy="2554545"/>
+            <a:off x="1486113" y="1073546"/>
+            <a:ext cx="9199606" cy="3785652"/>
           </a:xfrm>
           <a:prstGeom prst="rect">
             <a:avLst/>
@@ -3664,9 +3689,9 @@
           </a:bodyPr>
           <a:lstStyle/>
           <a:p>
-            <a:pPr algn="ctr"/>
-            <a:r>
-              <a:rPr lang="en-US" sz="8000" b="1" dirty="0" smtClean="0">
+            <a:pPr xmlns:a="http://schemas.openxmlformats.org/drawingml/2006/main" algn="ctr"/>
+            <a:r xmlns:a="http://schemas.openxmlformats.org/drawingml/2006/main">
+              <a:rPr lang="en" sz="8000" b="1" dirty="0" smtClean="0">
                 <a:solidFill>
                   <a:schemeClr val="bg1"/>
                 </a:solidFill>
@@ -3676,22 +3701,8 @@
               </a:rPr>
               <a:t>Import </a:t>
             </a:r>
-            <a:r>
-              <a:rPr lang="fr-FR" sz="8000" b="1" dirty="0" smtClean="0">
-                <a:solidFill>
-                  <a:schemeClr val="bg1"/>
-                </a:solidFill>
-                <a:latin typeface="Segoe UI" panose="020B0502040204020203" pitchFamily="34" charset="0"/>
-                <a:ea typeface="Verdana" panose="020B0604030504040204" pitchFamily="34" charset="0"/>
-                <a:cs typeface="Segoe UI" panose="020B0502040204020203" pitchFamily="34" charset="0"/>
-              </a:rPr>
-              <a:t>multiple</a:t>
-            </a:r>
-          </a:p>
-          <a:p>
-            <a:pPr algn="ctr"/>
-            <a:r>
-              <a:rPr lang="fr-FR" sz="8000" b="1" dirty="0" smtClean="0">
+            <a:r xmlns:a="http://schemas.openxmlformats.org/drawingml/2006/main">
+              <a:rPr lang="en" sz="8000" b="1" dirty="0" err="1" smtClean="0">
                 <a:solidFill>
                   <a:schemeClr val="bg1"/>
                 </a:solidFill>
@@ -3701,6 +3712,31 @@
               </a:rPr>
               <a:t>files</a:t>
             </a:r>
+            <a:r xmlns:a="http://schemas.openxmlformats.org/drawingml/2006/main">
+              <a:rPr lang="en" sz="8000" b="1" dirty="0" smtClean="0">
+                <a:solidFill>
+                  <a:schemeClr val="bg1"/>
+                </a:solidFill>
+                <a:latin typeface="Segoe UI" panose="020B0502040204020203" pitchFamily="34" charset="0"/>
+                <a:ea typeface="Verdana" panose="020B0604030504040204" pitchFamily="34" charset="0"/>
+                <a:cs typeface="Segoe UI" panose="020B0502040204020203" pitchFamily="34" charset="0"/>
+              </a:rPr>
+              <a:t> </a:t>
+            </a:r>
+            <a:r xmlns:a="http://schemas.openxmlformats.org/drawingml/2006/main">
+              <a:rPr lang="en" sz="8000" b="1" dirty="0" smtClean="0">
+                <a:solidFill>
+                  <a:schemeClr val="bg1"/>
+                </a:solidFill>
+                <a:latin typeface="Segoe UI" panose="020B0502040204020203" pitchFamily="34" charset="0"/>
+                <a:ea typeface="Verdana" panose="020B0604030504040204" pitchFamily="34" charset="0"/>
+                <a:cs typeface="Segoe UI" panose="020B0502040204020203" pitchFamily="34" charset="0"/>
+              </a:rPr>
+              <a:t>multiples</a:t>
+            </a:r>
+          </a:p>
+          <a:p>
+            <a:pPr algn="ctr"/>
             <a:endParaRPr lang="en-US" sz="8000" b="1" dirty="0">
               <a:solidFill>
                 <a:schemeClr val="bg1"/>
@@ -3797,7 +3833,7 @@
           </a:bodyPr>
           <a:lstStyle/>
           <a:p>
-            <a:pPr>
+            <a:pPr xmlns:a="http://schemas.openxmlformats.org/drawingml/2006/main">
               <a:lnSpc>
                 <a:spcPct val="107000"/>
               </a:lnSpc>
@@ -3808,184 +3844,17 @@
                 <a:spcPts val="0"/>
               </a:spcAft>
             </a:pPr>
-            <a:r>
-              <a:rPr lang="en-US" b="1" kern="0" dirty="0" smtClean="0">
+            <a:r xmlns:a="http://schemas.openxmlformats.org/drawingml/2006/main">
+              <a:rPr lang="en" b="1" kern="0" dirty="0" smtClean="0">
                 <a:latin typeface="Segoe UI" panose="020B0502040204020203" pitchFamily="34" charset="0"/>
                 <a:ea typeface="Times New Roman" panose="02020603050405020304" pitchFamily="18" charset="0"/>
                 <a:cs typeface="Times New Roman" panose="02020603050405020304" pitchFamily="18" charset="0"/>
               </a:rPr>
-              <a:t>Importing </a:t>
-            </a:r>
-            <a:r>
-              <a:rPr lang="en-US" b="1" kern="0" dirty="0" smtClean="0">
-                <a:latin typeface="Segoe UI" panose="020B0502040204020203" pitchFamily="34" charset="0"/>
-                <a:ea typeface="Times New Roman" panose="02020603050405020304" pitchFamily="18" charset="0"/>
-                <a:cs typeface="Times New Roman" panose="02020603050405020304" pitchFamily="18" charset="0"/>
-              </a:rPr>
-              <a:t>from multiple files</a:t>
-            </a:r>
-            <a:endParaRPr lang="en-US" b="1" kern="0" dirty="0">
+              <a:t>Importing from multiple files</a:t>
+            </a:r>
+            <a:endParaRPr xmlns:a="http://schemas.openxmlformats.org/drawingml/2006/main" lang="en-US" b="1" kern="0" dirty="0">
               <a:latin typeface="Segoe UI" panose="020B0502040204020203" pitchFamily="34" charset="0"/>
               <a:ea typeface="Times New Roman" panose="02020603050405020304" pitchFamily="18" charset="0"/>
-              <a:cs typeface="Times New Roman" panose="02020603050405020304" pitchFamily="18" charset="0"/>
-            </a:endParaRPr>
-          </a:p>
-        </p:txBody>
-      </p:sp>
-      <p:sp>
-        <p:nvSpPr>
-          <p:cNvPr id="9" name="Rectangle 8"/>
-          <p:cNvSpPr/>
-          <p:nvPr/>
-        </p:nvSpPr>
-        <p:spPr>
-          <a:xfrm>
-            <a:off x="502355" y="712495"/>
-            <a:ext cx="8652933" cy="553357"/>
-          </a:xfrm>
-          <a:prstGeom prst="rect">
-            <a:avLst/>
-          </a:prstGeom>
-        </p:spPr>
-        <p:txBody>
-          <a:bodyPr wrap="square">
-            <a:spAutoFit/>
-          </a:bodyPr>
-          <a:lstStyle/>
-          <a:p>
-            <a:pPr>
-              <a:lnSpc>
-                <a:spcPct val="107000"/>
-              </a:lnSpc>
-              <a:spcBef>
-                <a:spcPts val="1200"/>
-              </a:spcBef>
-              <a:spcAft>
-                <a:spcPts val="0"/>
-              </a:spcAft>
-            </a:pPr>
-            <a:r>
-              <a:rPr lang="en-US" b="1" kern="0" dirty="0" smtClean="0">
-                <a:latin typeface="Segoe UI" panose="020B0502040204020203" pitchFamily="34" charset="0"/>
-                <a:ea typeface="Times New Roman" panose="02020603050405020304" pitchFamily="18" charset="0"/>
-                <a:cs typeface="Times New Roman" panose="02020603050405020304" pitchFamily="18" charset="0"/>
-              </a:rPr>
-              <a:t>Note: </a:t>
-            </a:r>
-            <a:r>
-              <a:rPr lang="en-US" kern="0" dirty="0" smtClean="0">
-                <a:latin typeface="Segoe UI" panose="020B0502040204020203" pitchFamily="34" charset="0"/>
-                <a:ea typeface="Times New Roman" panose="02020603050405020304" pitchFamily="18" charset="0"/>
-                <a:cs typeface="Times New Roman" panose="02020603050405020304" pitchFamily="18" charset="0"/>
-              </a:rPr>
-              <a:t>This Lab uses the csv files located at </a:t>
-            </a:r>
-            <a:r>
-              <a:rPr lang="en-US" b="1" kern="0" dirty="0" smtClean="0">
-                <a:latin typeface="Segoe UI" panose="020B0502040204020203" pitchFamily="34" charset="0"/>
-                <a:ea typeface="Times New Roman" panose="02020603050405020304" pitchFamily="18" charset="0"/>
-                <a:cs typeface="Times New Roman" panose="02020603050405020304" pitchFamily="18" charset="0"/>
-              </a:rPr>
-              <a:t>\resources\Multiple Files\Files</a:t>
-            </a:r>
-            <a:r>
-              <a:rPr lang="en-US" sz="2800" b="1" kern="0" dirty="0" smtClean="0">
-                <a:latin typeface="Segoe UI" panose="020B0502040204020203" pitchFamily="34" charset="0"/>
-                <a:ea typeface="Times New Roman" panose="02020603050405020304" pitchFamily="18" charset="0"/>
-                <a:cs typeface="Times New Roman" panose="02020603050405020304" pitchFamily="18" charset="0"/>
-              </a:rPr>
-              <a:t> </a:t>
-            </a:r>
-            <a:endParaRPr lang="en-US" sz="2800" b="1" kern="0" dirty="0">
-              <a:effectLst/>
-              <a:latin typeface="Segoe UI" panose="020B0502040204020203" pitchFamily="34" charset="0"/>
-              <a:ea typeface="Times New Roman" panose="02020603050405020304" pitchFamily="18" charset="0"/>
-              <a:cs typeface="Times New Roman" panose="02020603050405020304" pitchFamily="18" charset="0"/>
-            </a:endParaRPr>
-          </a:p>
-        </p:txBody>
-      </p:sp>
-      <p:sp>
-        <p:nvSpPr>
-          <p:cNvPr id="10" name="Rectangle 9"/>
-          <p:cNvSpPr/>
-          <p:nvPr/>
-        </p:nvSpPr>
-        <p:spPr>
-          <a:xfrm>
-            <a:off x="502355" y="1265852"/>
-            <a:ext cx="7104317" cy="388696"/>
-          </a:xfrm>
-          <a:prstGeom prst="rect">
-            <a:avLst/>
-          </a:prstGeom>
-        </p:spPr>
-        <p:txBody>
-          <a:bodyPr wrap="none">
-            <a:spAutoFit/>
-          </a:bodyPr>
-          <a:lstStyle/>
-          <a:p>
-            <a:pPr lvl="0">
-              <a:lnSpc>
-                <a:spcPct val="107000"/>
-              </a:lnSpc>
-              <a:spcAft>
-                <a:spcPts val="800"/>
-              </a:spcAft>
-            </a:pPr>
-            <a:r>
-              <a:rPr lang="en-US" dirty="0" smtClean="0">
-                <a:latin typeface="Segoe UI" panose="020B0502040204020203" pitchFamily="34" charset="0"/>
-                <a:ea typeface="Calibri" panose="020F0502020204030204" pitchFamily="34" charset="0"/>
-                <a:cs typeface="Times New Roman" panose="02020603050405020304" pitchFamily="18" charset="0"/>
-              </a:rPr>
-              <a:t>Choose data source from </a:t>
-            </a:r>
-            <a:r>
-              <a:rPr lang="en-US" b="1" dirty="0" smtClean="0">
-                <a:latin typeface="Segoe UI" panose="020B0502040204020203" pitchFamily="34" charset="0"/>
-                <a:ea typeface="Calibri" panose="020F0502020204030204" pitchFamily="34" charset="0"/>
-                <a:cs typeface="Times New Roman" panose="02020603050405020304" pitchFamily="18" charset="0"/>
-              </a:rPr>
-              <a:t>More</a:t>
-            </a:r>
-            <a:r>
-              <a:rPr lang="en-US" dirty="0" smtClean="0">
-                <a:latin typeface="Segoe UI" panose="020B0502040204020203" pitchFamily="34" charset="0"/>
-                <a:ea typeface="Calibri" panose="020F0502020204030204" pitchFamily="34" charset="0"/>
-                <a:cs typeface="Times New Roman" panose="02020603050405020304" pitchFamily="18" charset="0"/>
-              </a:rPr>
-              <a:t>… menu, then select </a:t>
-            </a:r>
-            <a:r>
-              <a:rPr lang="en-US" b="1" dirty="0" smtClean="0">
-                <a:latin typeface="Segoe UI" panose="020B0502040204020203" pitchFamily="34" charset="0"/>
-                <a:ea typeface="Calibri" panose="020F0502020204030204" pitchFamily="34" charset="0"/>
-                <a:cs typeface="Times New Roman" panose="02020603050405020304" pitchFamily="18" charset="0"/>
-              </a:rPr>
-              <a:t>File</a:t>
-            </a:r>
-            <a:r>
-              <a:rPr lang="en-US" dirty="0" smtClean="0">
-                <a:latin typeface="Segoe UI" panose="020B0502040204020203" pitchFamily="34" charset="0"/>
-                <a:ea typeface="Calibri" panose="020F0502020204030204" pitchFamily="34" charset="0"/>
-                <a:cs typeface="Times New Roman" panose="02020603050405020304" pitchFamily="18" charset="0"/>
-              </a:rPr>
-              <a:t> then </a:t>
-            </a:r>
-            <a:r>
-              <a:rPr lang="en-US" b="1" dirty="0" smtClean="0">
-                <a:latin typeface="Segoe UI" panose="020B0502040204020203" pitchFamily="34" charset="0"/>
-                <a:ea typeface="Calibri" panose="020F0502020204030204" pitchFamily="34" charset="0"/>
-                <a:cs typeface="Times New Roman" panose="02020603050405020304" pitchFamily="18" charset="0"/>
-              </a:rPr>
-              <a:t>Folder</a:t>
-            </a:r>
-            <a:endParaRPr lang="en-US" sz="1400" b="1" dirty="0">
-              <a:effectLst/>
-              <a:latin typeface="Calibri" panose="020F0502020204030204" pitchFamily="34" charset="0"/>
-              <a:ea typeface="Calibri" panose="020F0502020204030204" pitchFamily="34" charset="0"/>
               <a:cs typeface="Times New Roman" panose="02020603050405020304" pitchFamily="18" charset="0"/>
             </a:endParaRPr>
           </a:p>
@@ -4076,7 +3945,7 @@
           <a:graphicData uri="http://schemas.openxmlformats.org/presentationml/2006/ole">
             <mc:AlternateContent xmlns:mc="http://schemas.openxmlformats.org/markup-compatibility/2006">
               <mc:Choice xmlns:v="urn:schemas-microsoft-com:vml" Requires="v">
-                <p:oleObj spid="_x0000_s1029" name="Bitmap Image" r:id="rId5" imgW="3952381" imgH="2924583" progId="Paint.Picture">
+                <p:oleObj spid="_x0000_s1034" name="Bitmap Image" r:id="rId5" imgW="3952381" imgH="2924583" progId="Paint.Picture">
                   <p:embed/>
                 </p:oleObj>
               </mc:Choice>
@@ -4174,13 +4043,13 @@
           </a:bodyPr>
           <a:lstStyle/>
           <a:p>
-            <a:pPr algn="ctr">
+            <a:pPr xmlns:a="http://schemas.openxmlformats.org/drawingml/2006/main" algn="ctr">
               <a:spcAft>
                 <a:spcPts val="0"/>
               </a:spcAft>
             </a:pPr>
-            <a:r>
-              <a:rPr lang="fr-FR" sz="1600" b="1" kern="1200" dirty="0">
+            <a:r xmlns:a="http://schemas.openxmlformats.org/drawingml/2006/main">
+              <a:rPr lang="en" sz="1600" b="1" kern="1200" dirty="0">
                 <a:solidFill>
                   <a:srgbClr val="FFFFFF"/>
                 </a:solidFill>
@@ -4190,7 +4059,7 @@
               </a:rPr>
               <a:t>1</a:t>
             </a:r>
-            <a:endParaRPr lang="en-US" sz="2800" dirty="0">
+            <a:endParaRPr xmlns:a="http://schemas.openxmlformats.org/drawingml/2006/main" lang="en-US" sz="2800" dirty="0">
               <a:effectLst/>
               <a:latin typeface="Times New Roman" panose="02020603050405020304" pitchFamily="18" charset="0"/>
               <a:ea typeface="Times New Roman" panose="02020603050405020304" pitchFamily="18" charset="0"/>
@@ -4251,13 +4120,13 @@
           </a:bodyPr>
           <a:lstStyle/>
           <a:p>
-            <a:pPr algn="ctr">
+            <a:pPr xmlns:a="http://schemas.openxmlformats.org/drawingml/2006/main" algn="ctr">
               <a:spcAft>
                 <a:spcPts val="0"/>
               </a:spcAft>
             </a:pPr>
-            <a:r>
-              <a:rPr lang="fr-FR" b="1" kern="1200" dirty="0">
+            <a:r xmlns:a="http://schemas.openxmlformats.org/drawingml/2006/main">
+              <a:rPr lang="en" b="1" kern="1200" dirty="0">
                 <a:solidFill>
                   <a:srgbClr val="FFFFFF"/>
                 </a:solidFill>
@@ -4267,7 +4136,7 @@
               </a:rPr>
               <a:t>2</a:t>
             </a:r>
-            <a:endParaRPr lang="en-US" sz="3200" dirty="0">
+            <a:endParaRPr xmlns:a="http://schemas.openxmlformats.org/drawingml/2006/main" lang="en-US" sz="3200" dirty="0">
               <a:effectLst/>
               <a:latin typeface="Times New Roman" panose="02020603050405020304" pitchFamily="18" charset="0"/>
               <a:ea typeface="Times New Roman" panose="02020603050405020304" pitchFamily="18" charset="0"/>
@@ -4328,13 +4197,13 @@
           </a:bodyPr>
           <a:lstStyle/>
           <a:p>
-            <a:pPr algn="ctr">
+            <a:pPr xmlns:a="http://schemas.openxmlformats.org/drawingml/2006/main" algn="ctr">
               <a:spcAft>
                 <a:spcPts val="0"/>
               </a:spcAft>
             </a:pPr>
-            <a:r>
-              <a:rPr lang="fr-FR" sz="1600" b="1" kern="1200" dirty="0" smtClean="0">
+            <a:r xmlns:a="http://schemas.openxmlformats.org/drawingml/2006/main">
+              <a:rPr lang="en" sz="1600" b="1" kern="1200" dirty="0" smtClean="0">
                 <a:solidFill>
                   <a:srgbClr val="FFFFFF"/>
                 </a:solidFill>
@@ -4344,11 +4213,270 @@
               </a:rPr>
               <a:t>3</a:t>
             </a:r>
-            <a:endParaRPr lang="en-US" sz="2800" dirty="0">
+            <a:endParaRPr xmlns:a="http://schemas.openxmlformats.org/drawingml/2006/main" lang="en-US" sz="2800" dirty="0">
               <a:effectLst/>
               <a:latin typeface="Times New Roman" panose="02020603050405020304" pitchFamily="18" charset="0"/>
               <a:ea typeface="Times New Roman" panose="02020603050405020304" pitchFamily="18" charset="0"/>
             </a:endParaRPr>
+          </a:p>
+        </p:txBody>
+      </p:sp>
+      <p:sp>
+        <p:nvSpPr>
+          <p:cNvPr id="2" name="Rectangle 9"/>
+          <p:cNvSpPr>
+            <a:spLocks noChangeArrowheads="1"/>
+          </p:cNvSpPr>
+          <p:nvPr/>
+        </p:nvSpPr>
+        <p:spPr bwMode="auto">
+          <a:xfrm>
+            <a:off x="523336" y="629738"/>
+            <a:ext cx="10520829" cy="646331"/>
+          </a:xfrm>
+          <a:prstGeom prst="rect">
+            <a:avLst/>
+          </a:prstGeom>
+          <a:noFill/>
+          <a:ln>
+            <a:noFill/>
+          </a:ln>
+          <a:effectLst/>
+          <a:extLst>
+            <a:ext uri="{909E8E84-426E-40DD-AFC4-6F175D3DCCD1}">
+              <a14:hiddenFill xmlns:a14="http://schemas.microsoft.com/office/drawing/2010/main">
+                <a:solidFill>
+                  <a:schemeClr val="accent1"/>
+                </a:solidFill>
+              </a14:hiddenFill>
+            </a:ext>
+            <a:ext uri="{91240B29-F687-4F45-9708-019B960494DF}">
+              <a14:hiddenLine xmlns:a14="http://schemas.microsoft.com/office/drawing/2010/main" w="9525">
+                <a:solidFill>
+                  <a:schemeClr val="tx1"/>
+                </a:solidFill>
+                <a:miter lim="800000"/>
+                <a:headEnd/>
+                <a:tailEnd/>
+              </a14:hiddenLine>
+            </a:ext>
+            <a:ext uri="{AF507438-7753-43E0-B8FC-AC1667EBCBE1}">
+              <a14:hiddenEffects xmlns:a14="http://schemas.microsoft.com/office/drawing/2010/main">
+                <a:effectLst>
+                  <a:outerShdw dist="35921" dir="2700000" algn="ctr" rotWithShape="0">
+                    <a:schemeClr val="bg2"/>
+                  </a:outerShdw>
+                </a:effectLst>
+              </a14:hiddenEffects>
+            </a:ext>
+          </a:extLst>
+        </p:spPr>
+        <p:txBody>
+          <a:bodyPr vert="horz" wrap="none" lIns="91440" tIns="45720" rIns="91440" bIns="45720" numCol="1" anchor="ctr" anchorCtr="0" compatLnSpc="1">
+            <a:prstTxWarp prst="textNoShape">
+              <a:avLst/>
+            </a:prstTxWarp>
+            <a:spAutoFit/>
+          </a:bodyPr>
+          <a:lstStyle/>
+          <a:p>
+            <a:pPr xmlns:a="http://schemas.openxmlformats.org/drawingml/2006/main" marL="0" marR="0" lvl="0" indent="0" algn="l" defTabSz="914400" rtl="0" eaLnBrk="0" fontAlgn="base" latinLnBrk="0" hangingPunct="0">
+              <a:lnSpc>
+                <a:spcPct val="100000"/>
+              </a:lnSpc>
+              <a:spcBef>
+                <a:spcPct val="0"/>
+              </a:spcBef>
+              <a:spcAft>
+                <a:spcPct val="0"/>
+              </a:spcAft>
+              <a:buClrTx/>
+              <a:buSzTx/>
+              <a:buFontTx/>
+              <a:buNone/>
+              <a:tabLst/>
+            </a:pPr>
+            <a:r xmlns:a="http://schemas.openxmlformats.org/drawingml/2006/main">
+              <a:rPr kumimoji="0" lang="en" altLang="en-US" sz="1800" b="1" i="0" u="none" strike="noStrike" cap="none" normalizeH="0" baseline="0" dirty="0" smtClean="0">
+                <a:ln>
+                  <a:noFill/>
+                </a:ln>
+                <a:solidFill>
+                  <a:schemeClr val="tx1"/>
+                </a:solidFill>
+                <a:effectLst/>
+                <a:latin typeface="Arial" panose="020B0604020202020204" pitchFamily="34" charset="0"/>
+              </a:rPr>
+              <a:t>Note: </a:t>
+            </a:r>
+            <a:r xmlns:a="http://schemas.openxmlformats.org/drawingml/2006/main">
+              <a:rPr kumimoji="0" lang="en" altLang="en-US" sz="1800" b="0" i="0" u="none" strike="noStrike" cap="none" normalizeH="0" baseline="0" dirty="0" smtClean="0">
+                <a:ln>
+                  <a:noFill/>
+                </a:ln>
+                <a:solidFill>
+                  <a:schemeClr val="tx1"/>
+                </a:solidFill>
+                <a:effectLst/>
+                <a:latin typeface="Arial" panose="020B0604020202020204" pitchFamily="34" charset="0"/>
+              </a:rPr>
+              <a:t>This lab uses CSV files located in </a:t>
+            </a:r>
+            <a:r xmlns:a="http://schemas.openxmlformats.org/drawingml/2006/main">
+              <a:rPr kumimoji="0" lang="en" altLang="en-US" sz="1800" b="1" i="0" u="none" strike="noStrike" cap="none" normalizeH="0" baseline="0" dirty="0" smtClean="0">
+                <a:ln>
+                  <a:noFill/>
+                </a:ln>
+                <a:solidFill>
+                  <a:schemeClr val="tx1"/>
+                </a:solidFill>
+                <a:effectLst/>
+                <a:latin typeface="Arial" panose="020B0604020202020204" pitchFamily="34" charset="0"/>
+              </a:rPr>
+              <a:t>\ </a:t>
+            </a:r>
+            <a:r xmlns:a="http://schemas.openxmlformats.org/drawingml/2006/main">
+              <a:rPr kumimoji="0" lang="en" altLang="en-US" sz="1800" b="1" i="0" u="none" strike="noStrike" cap="none" normalizeH="0" baseline="0" dirty="0" err="1" smtClean="0">
+                <a:ln>
+                  <a:noFill/>
+                </a:ln>
+                <a:solidFill>
+                  <a:schemeClr val="tx1"/>
+                </a:solidFill>
+                <a:effectLst/>
+                <a:latin typeface="Arial" panose="020B0604020202020204" pitchFamily="34" charset="0"/>
+              </a:rPr>
+              <a:t>resources </a:t>
+            </a:r>
+            <a:r xmlns:a="http://schemas.openxmlformats.org/drawingml/2006/main">
+              <a:rPr kumimoji="0" lang="en" altLang="en-US" sz="1800" b="1" i="0" u="none" strike="noStrike" cap="none" normalizeH="0" baseline="0" dirty="0" smtClean="0">
+                <a:ln>
+                  <a:noFill/>
+                </a:ln>
+                <a:solidFill>
+                  <a:schemeClr val="tx1"/>
+                </a:solidFill>
+                <a:effectLst/>
+                <a:latin typeface="Arial" panose="020B0604020202020204" pitchFamily="34" charset="0"/>
+              </a:rPr>
+              <a:t>\Multiple Files\Files </a:t>
+            </a:r>
+            <a:r xmlns:a="http://schemas.openxmlformats.org/drawingml/2006/main">
+              <a:rPr kumimoji="0" lang="en" altLang="en-US" sz="1800" b="0" i="0" u="none" strike="noStrike" cap="none" normalizeH="0" baseline="0" dirty="0" smtClean="0">
+                <a:ln>
+                  <a:noFill/>
+                </a:ln>
+                <a:solidFill>
+                  <a:schemeClr val="tx1"/>
+                </a:solidFill>
+                <a:effectLst/>
+                <a:latin typeface="Arial" panose="020B0604020202020204" pitchFamily="34" charset="0"/>
+              </a:rPr>
+              <a:t>. </a:t>
+            </a:r>
+            <a:br xmlns:a="http://schemas.openxmlformats.org/drawingml/2006/main">
+              <a:rPr kumimoji="0" lang="fr-FR" altLang="en-US" sz="1800" b="0" i="0" u="none" strike="noStrike" cap="none" normalizeH="0" baseline="0" dirty="0" smtClean="0">
+                <a:ln>
+                  <a:noFill/>
+                </a:ln>
+                <a:solidFill>
+                  <a:schemeClr val="tx1"/>
+                </a:solidFill>
+                <a:effectLst/>
+                <a:latin typeface="Arial" panose="020B0604020202020204" pitchFamily="34" charset="0"/>
+              </a:rPr>
+            </a:br>
+            <a:r xmlns:a="http://schemas.openxmlformats.org/drawingml/2006/main">
+              <a:rPr kumimoji="0" lang="en" altLang="en-US" sz="1800" b="0" i="0" u="none" strike="noStrike" cap="none" normalizeH="0" baseline="0" dirty="0" smtClean="0">
+                <a:ln>
+                  <a:noFill/>
+                </a:ln>
+                <a:solidFill>
+                  <a:schemeClr val="tx1"/>
+                </a:solidFill>
+                <a:effectLst/>
+                <a:latin typeface="Arial" panose="020B0604020202020204" pitchFamily="34" charset="0"/>
+              </a:rPr>
+              <a:t>Choose the data source from the </a:t>
+            </a:r>
+            <a:r xmlns:a="http://schemas.openxmlformats.org/drawingml/2006/main">
+              <a:rPr kumimoji="0" lang="en" altLang="en-US" sz="1800" b="1" i="0" u="none" strike="noStrike" cap="none" normalizeH="0" baseline="0" dirty="0" smtClean="0">
+                <a:ln>
+                  <a:noFill/>
+                </a:ln>
+                <a:solidFill>
+                  <a:schemeClr val="tx1"/>
+                </a:solidFill>
+                <a:effectLst/>
+                <a:latin typeface="Arial" panose="020B0604020202020204" pitchFamily="34" charset="0"/>
+              </a:rPr>
+              <a:t>More... menu </a:t>
+            </a:r>
+            <a:r xmlns:a="http://schemas.openxmlformats.org/drawingml/2006/main">
+              <a:rPr kumimoji="0" lang="en" altLang="en-US" sz="1800" b="0" i="0" u="none" strike="noStrike" cap="none" normalizeH="0" baseline="0" dirty="0" smtClean="0">
+                <a:ln>
+                  <a:noFill/>
+                </a:ln>
+                <a:solidFill>
+                  <a:schemeClr val="tx1"/>
+                </a:solidFill>
+                <a:effectLst/>
+                <a:latin typeface="Arial" panose="020B0604020202020204" pitchFamily="34" charset="0"/>
+              </a:rPr>
+              <a:t>, then select </a:t>
+            </a:r>
+            <a:r xmlns:a="http://schemas.openxmlformats.org/drawingml/2006/main">
+              <a:rPr kumimoji="0" lang="en" altLang="en-US" sz="1800" b="1" i="0" u="none" strike="noStrike" cap="none" normalizeH="0" baseline="0" dirty="0" smtClean="0">
+                <a:ln>
+                  <a:noFill/>
+                </a:ln>
+                <a:solidFill>
+                  <a:schemeClr val="tx1"/>
+                </a:solidFill>
+                <a:effectLst/>
+                <a:latin typeface="Arial" panose="020B0604020202020204" pitchFamily="34" charset="0"/>
+              </a:rPr>
+              <a:t>File </a:t>
+            </a:r>
+            <a:r xmlns:a="http://schemas.openxmlformats.org/drawingml/2006/main">
+              <a:rPr kumimoji="0" lang="en" altLang="en-US" sz="1800" b="0" i="0" u="none" strike="noStrike" cap="none" normalizeH="0" baseline="0" dirty="0" smtClean="0">
+                <a:ln>
+                  <a:noFill/>
+                </a:ln>
+                <a:solidFill>
+                  <a:schemeClr val="tx1"/>
+                </a:solidFill>
+                <a:effectLst/>
+                <a:latin typeface="Arial" panose="020B0604020202020204" pitchFamily="34" charset="0"/>
+              </a:rPr>
+              <a:t>and then </a:t>
+            </a:r>
+            <a:r xmlns:a="http://schemas.openxmlformats.org/drawingml/2006/main">
+              <a:rPr kumimoji="0" lang="en" altLang="en-US" sz="1800" b="1" i="0" u="none" strike="noStrike" cap="none" normalizeH="0" baseline="0" dirty="0" smtClean="0">
+                <a:ln>
+                  <a:noFill/>
+                </a:ln>
+                <a:solidFill>
+                  <a:schemeClr val="tx1"/>
+                </a:solidFill>
+                <a:effectLst/>
+                <a:latin typeface="Arial" panose="020B0604020202020204" pitchFamily="34" charset="0"/>
+              </a:rPr>
+              <a:t>Folder </a:t>
+            </a:r>
+            <a:r xmlns:a="http://schemas.openxmlformats.org/drawingml/2006/main">
+              <a:rPr kumimoji="0" lang="en" altLang="en-US" sz="1800" b="0" i="0" u="none" strike="noStrike" cap="none" normalizeH="0" baseline="0" dirty="0" smtClean="0">
+                <a:ln>
+                  <a:noFill/>
+                </a:ln>
+                <a:solidFill>
+                  <a:schemeClr val="tx1"/>
+                </a:solidFill>
+                <a:effectLst/>
+                <a:latin typeface="Arial" panose="020B0604020202020204" pitchFamily="34" charset="0"/>
+              </a:rPr>
+              <a:t>.</a:t>
+            </a:r>
           </a:p>
         </p:txBody>
       </p:sp>
@@ -4403,7 +4531,7 @@
           </a:bodyPr>
           <a:lstStyle/>
           <a:p>
-            <a:pPr>
+            <a:pPr xmlns:a="http://schemas.openxmlformats.org/drawingml/2006/main">
               <a:lnSpc>
                 <a:spcPct val="107000"/>
               </a:lnSpc>
@@ -4414,23 +4542,15 @@
                 <a:spcPts val="0"/>
               </a:spcAft>
             </a:pPr>
-            <a:r>
-              <a:rPr lang="en-US" b="1" kern="0" dirty="0" smtClean="0">
+            <a:r xmlns:a="http://schemas.openxmlformats.org/drawingml/2006/main">
+              <a:rPr lang="en" b="1" kern="0" dirty="0" smtClean="0">
                 <a:latin typeface="Segoe UI" panose="020B0502040204020203" pitchFamily="34" charset="0"/>
                 <a:ea typeface="Times New Roman" panose="02020603050405020304" pitchFamily="18" charset="0"/>
                 <a:cs typeface="Times New Roman" panose="02020603050405020304" pitchFamily="18" charset="0"/>
               </a:rPr>
-              <a:t>Importing </a:t>
-            </a:r>
-            <a:r>
-              <a:rPr lang="en-US" b="1" kern="0" dirty="0" smtClean="0">
-                <a:latin typeface="Segoe UI" panose="020B0502040204020203" pitchFamily="34" charset="0"/>
-                <a:ea typeface="Times New Roman" panose="02020603050405020304" pitchFamily="18" charset="0"/>
-                <a:cs typeface="Times New Roman" panose="02020603050405020304" pitchFamily="18" charset="0"/>
-              </a:rPr>
-              <a:t>from multiple files</a:t>
-            </a:r>
-            <a:endParaRPr lang="en-US" b="1" kern="0" dirty="0">
+              <a:t>Importing from multiple files</a:t>
+            </a:r>
+            <a:endParaRPr xmlns:a="http://schemas.openxmlformats.org/drawingml/2006/main" lang="en-US" b="1" kern="0" dirty="0">
               <a:latin typeface="Segoe UI" panose="020B0502040204020203" pitchFamily="34" charset="0"/>
               <a:ea typeface="Times New Roman" panose="02020603050405020304" pitchFamily="18" charset="0"/>
               <a:cs typeface="Times New Roman" panose="02020603050405020304" pitchFamily="18" charset="0"/>
@@ -4498,133 +4618,6 @@
           <a:lstStyle/>
           <a:p>
             <a:endParaRPr lang="en-US"/>
-          </a:p>
-        </p:txBody>
-      </p:sp>
-      <p:sp>
-        <p:nvSpPr>
-          <p:cNvPr id="2" name="Rectangle 1"/>
-          <p:cNvSpPr/>
-          <p:nvPr/>
-        </p:nvSpPr>
-        <p:spPr>
-          <a:xfrm>
-            <a:off x="449178" y="696015"/>
-            <a:ext cx="8321011" cy="373692"/>
-          </a:xfrm>
-          <a:prstGeom prst="rect">
-            <a:avLst/>
-          </a:prstGeom>
-        </p:spPr>
-        <p:txBody>
-          <a:bodyPr wrap="square">
-            <a:spAutoFit/>
-          </a:bodyPr>
-          <a:lstStyle/>
-          <a:p>
-            <a:pPr lvl="0">
-              <a:lnSpc>
-                <a:spcPct val="107000"/>
-              </a:lnSpc>
-              <a:spcAft>
-                <a:spcPts val="800"/>
-              </a:spcAft>
-            </a:pPr>
-            <a:r>
-              <a:rPr lang="en-US" dirty="0" smtClean="0">
-                <a:latin typeface="Segoe UI" panose="020B0502040204020203" pitchFamily="34" charset="0"/>
-                <a:ea typeface="Calibri" panose="020F0502020204030204" pitchFamily="34" charset="0"/>
-                <a:cs typeface="Times New Roman" panose="02020603050405020304" pitchFamily="18" charset="0"/>
-              </a:rPr>
-              <a:t>Navigate to the </a:t>
-            </a:r>
-            <a:r>
-              <a:rPr lang="en-US" b="1" dirty="0" smtClean="0">
-                <a:latin typeface="Segoe UI" panose="020B0502040204020203" pitchFamily="34" charset="0"/>
-                <a:ea typeface="Calibri" panose="020F0502020204030204" pitchFamily="34" charset="0"/>
-                <a:cs typeface="Times New Roman" panose="02020603050405020304" pitchFamily="18" charset="0"/>
-              </a:rPr>
-              <a:t>Multiple Files </a:t>
-            </a:r>
-            <a:r>
-              <a:rPr lang="en-US" dirty="0" smtClean="0">
-                <a:latin typeface="Segoe UI" panose="020B0502040204020203" pitchFamily="34" charset="0"/>
-                <a:ea typeface="Calibri" panose="020F0502020204030204" pitchFamily="34" charset="0"/>
-                <a:cs typeface="Times New Roman" panose="02020603050405020304" pitchFamily="18" charset="0"/>
-              </a:rPr>
-              <a:t>folder located under Resources and select the</a:t>
-            </a:r>
-            <a:endParaRPr lang="en-US" sz="1400" dirty="0">
-              <a:effectLst/>
-              <a:latin typeface="Calibri" panose="020F0502020204030204" pitchFamily="34" charset="0"/>
-              <a:ea typeface="Calibri" panose="020F0502020204030204" pitchFamily="34" charset="0"/>
-              <a:cs typeface="Times New Roman" panose="02020603050405020304" pitchFamily="18" charset="0"/>
-            </a:endParaRPr>
-          </a:p>
-        </p:txBody>
-      </p:sp>
-      <p:sp>
-        <p:nvSpPr>
-          <p:cNvPr id="4" name="Rectangle 3"/>
-          <p:cNvSpPr/>
-          <p:nvPr/>
-        </p:nvSpPr>
-        <p:spPr>
-          <a:xfrm>
-            <a:off x="534862" y="2881966"/>
-            <a:ext cx="8214043" cy="366895"/>
-          </a:xfrm>
-          <a:prstGeom prst="rect">
-            <a:avLst/>
-          </a:prstGeom>
-        </p:spPr>
-        <p:txBody>
-          <a:bodyPr wrap="none">
-            <a:spAutoFit/>
-          </a:bodyPr>
-          <a:lstStyle/>
-          <a:p>
-            <a:pPr>
-              <a:lnSpc>
-                <a:spcPct val="107000"/>
-              </a:lnSpc>
-              <a:spcAft>
-                <a:spcPts val="800"/>
-              </a:spcAft>
-            </a:pPr>
-            <a:r>
-              <a:rPr lang="en-US" dirty="0" smtClean="0">
-                <a:latin typeface="Segoe UI" panose="020B0502040204020203" pitchFamily="34" charset="0"/>
-                <a:ea typeface="Calibri" panose="020F0502020204030204" pitchFamily="34" charset="0"/>
-                <a:cs typeface="Times New Roman" panose="02020603050405020304" pitchFamily="18" charset="0"/>
-              </a:rPr>
-              <a:t>Check that the files represent the same structures, </a:t>
-            </a:r>
-            <a:r>
-              <a:rPr lang="en-US" dirty="0" smtClean="0">
-                <a:latin typeface="Segoe UI" panose="020B0502040204020203" pitchFamily="34" charset="0"/>
-                <a:cs typeface="Segoe UI" panose="020B0502040204020203" pitchFamily="34" charset="0"/>
-              </a:rPr>
-              <a:t>Choose </a:t>
-            </a:r>
-            <a:r>
-              <a:rPr lang="en-US" b="1" dirty="0" smtClean="0">
-                <a:latin typeface="Segoe UI" panose="020B0502040204020203" pitchFamily="34" charset="0"/>
-                <a:cs typeface="Segoe UI" panose="020B0502040204020203" pitchFamily="34" charset="0"/>
-              </a:rPr>
-              <a:t>Combine and Load</a:t>
-            </a:r>
-            <a:r>
-              <a:rPr lang="en-US" dirty="0" smtClean="0">
-                <a:latin typeface="Segoe UI" panose="020B0502040204020203" pitchFamily="34" charset="0"/>
-                <a:cs typeface="Segoe UI" panose="020B0502040204020203" pitchFamily="34" charset="0"/>
-              </a:rPr>
-              <a:t> </a:t>
-            </a:r>
-            <a:endParaRPr lang="en-US" dirty="0">
-              <a:latin typeface="Segoe UI" panose="020B0502040204020203" pitchFamily="34" charset="0"/>
-              <a:cs typeface="Segoe UI" panose="020B0502040204020203" pitchFamily="34" charset="0"/>
-            </a:endParaRPr>
           </a:p>
         </p:txBody>
       </p:sp>
@@ -4678,7 +4671,7 @@
         </p:blipFill>
         <p:spPr>
           <a:xfrm>
-            <a:off x="671942" y="3442648"/>
+            <a:off x="570194" y="3442649"/>
             <a:ext cx="5510322" cy="3073435"/>
           </a:xfrm>
           <a:prstGeom prst="rect">
@@ -4756,6 +4749,266 @@
           </a:p>
         </p:txBody>
       </p:sp>
+      <p:sp>
+        <p:nvSpPr>
+          <p:cNvPr id="5" name="Rectangle 1"/>
+          <p:cNvSpPr>
+            <a:spLocks noChangeArrowheads="1"/>
+          </p:cNvSpPr>
+          <p:nvPr/>
+        </p:nvSpPr>
+        <p:spPr bwMode="auto">
+          <a:xfrm>
+            <a:off x="483683" y="637193"/>
+            <a:ext cx="8194491" cy="369332"/>
+          </a:xfrm>
+          <a:prstGeom prst="rect">
+            <a:avLst/>
+          </a:prstGeom>
+          <a:noFill/>
+          <a:ln>
+            <a:noFill/>
+          </a:ln>
+          <a:effectLst/>
+          <a:extLst>
+            <a:ext uri="{909E8E84-426E-40DD-AFC4-6F175D3DCCD1}">
+              <a14:hiddenFill xmlns:a14="http://schemas.microsoft.com/office/drawing/2010/main">
+                <a:solidFill>
+                  <a:schemeClr val="accent1"/>
+                </a:solidFill>
+              </a14:hiddenFill>
+            </a:ext>
+            <a:ext uri="{91240B29-F687-4F45-9708-019B960494DF}">
+              <a14:hiddenLine xmlns:a14="http://schemas.microsoft.com/office/drawing/2010/main" w="9525">
+                <a:solidFill>
+                  <a:schemeClr val="tx1"/>
+                </a:solidFill>
+                <a:miter lim="800000"/>
+                <a:headEnd/>
+                <a:tailEnd/>
+              </a14:hiddenLine>
+            </a:ext>
+            <a:ext uri="{AF507438-7753-43E0-B8FC-AC1667EBCBE1}">
+              <a14:hiddenEffects xmlns:a14="http://schemas.microsoft.com/office/drawing/2010/main">
+                <a:effectLst>
+                  <a:outerShdw dist="35921" dir="2700000" algn="ctr" rotWithShape="0">
+                    <a:schemeClr val="bg2"/>
+                  </a:outerShdw>
+                </a:effectLst>
+              </a14:hiddenEffects>
+            </a:ext>
+          </a:extLst>
+        </p:spPr>
+        <p:txBody>
+          <a:bodyPr vert="horz" wrap="square" lIns="91440" tIns="45720" rIns="91440" bIns="45720" numCol="1" anchor="ctr" anchorCtr="0" compatLnSpc="1">
+            <a:prstTxWarp prst="textNoShape">
+              <a:avLst/>
+            </a:prstTxWarp>
+            <a:spAutoFit/>
+          </a:bodyPr>
+          <a:lstStyle/>
+          <a:p>
+            <a:pPr xmlns:a="http://schemas.openxmlformats.org/drawingml/2006/main" marL="0" marR="0" lvl="0" indent="0" algn="l" defTabSz="914400" rtl="0" eaLnBrk="0" fontAlgn="base" latinLnBrk="0" hangingPunct="0">
+              <a:lnSpc>
+                <a:spcPct val="100000"/>
+              </a:lnSpc>
+              <a:spcBef>
+                <a:spcPct val="0"/>
+              </a:spcBef>
+              <a:spcAft>
+                <a:spcPct val="0"/>
+              </a:spcAft>
+              <a:buClrTx/>
+              <a:buSzTx/>
+              <a:buFontTx/>
+              <a:buNone/>
+              <a:tabLst/>
+            </a:pPr>
+            <a:r xmlns:a="http://schemas.openxmlformats.org/drawingml/2006/main">
+              <a:rPr kumimoji="0" lang="en" altLang="en-US" sz="1800" b="0" i="0" u="none" strike="noStrike" cap="none" normalizeH="0" baseline="0" smtClean="0">
+                <a:ln>
+                  <a:noFill/>
+                </a:ln>
+                <a:solidFill>
+                  <a:schemeClr val="tx1"/>
+                </a:solidFill>
+                <a:effectLst/>
+                <a:latin typeface="Arial" panose="020B0604020202020204" pitchFamily="34" charset="0"/>
+              </a:rPr>
+              <a:t>Navigate to the </a:t>
+            </a:r>
+            <a:r xmlns:a="http://schemas.openxmlformats.org/drawingml/2006/main">
+              <a:rPr kumimoji="0" lang="en" altLang="en-US" sz="1800" b="1" i="0" u="none" strike="noStrike" cap="none" normalizeH="0" baseline="0" smtClean="0">
+                <a:ln>
+                  <a:noFill/>
+                </a:ln>
+                <a:solidFill>
+                  <a:schemeClr val="tx1"/>
+                </a:solidFill>
+                <a:effectLst/>
+                <a:latin typeface="Arial" panose="020B0604020202020204" pitchFamily="34" charset="0"/>
+              </a:rPr>
+              <a:t>Multiple Files folder </a:t>
+            </a:r>
+            <a:r xmlns:a="http://schemas.openxmlformats.org/drawingml/2006/main">
+              <a:rPr kumimoji="0" lang="en" altLang="en-US" sz="1800" b="0" i="0" u="none" strike="noStrike" cap="none" normalizeH="0" baseline="0" smtClean="0">
+                <a:ln>
+                  <a:noFill/>
+                </a:ln>
+                <a:solidFill>
+                  <a:schemeClr val="tx1"/>
+                </a:solidFill>
+                <a:effectLst/>
+                <a:latin typeface="Arial" panose="020B0604020202020204" pitchFamily="34" charset="0"/>
+              </a:rPr>
+              <a:t>located under </a:t>
+            </a:r>
+            <a:r xmlns:a="http://schemas.openxmlformats.org/drawingml/2006/main">
+              <a:rPr kumimoji="0" lang="en" altLang="en-US" sz="1800" b="1" i="0" u="none" strike="noStrike" cap="none" normalizeH="0" baseline="0" smtClean="0">
+                <a:ln>
+                  <a:noFill/>
+                </a:ln>
+                <a:solidFill>
+                  <a:schemeClr val="tx1"/>
+                </a:solidFill>
+                <a:effectLst/>
+                <a:latin typeface="Arial" panose="020B0604020202020204" pitchFamily="34" charset="0"/>
+              </a:rPr>
+              <a:t>Resources </a:t>
+            </a:r>
+            <a:r xmlns:a="http://schemas.openxmlformats.org/drawingml/2006/main">
+              <a:rPr kumimoji="0" lang="en" altLang="en-US" sz="1800" b="0" i="0" u="none" strike="noStrike" cap="none" normalizeH="0" baseline="0" smtClean="0">
+                <a:ln>
+                  <a:noFill/>
+                </a:ln>
+                <a:solidFill>
+                  <a:schemeClr val="tx1"/>
+                </a:solidFill>
+                <a:effectLst/>
+                <a:latin typeface="Arial" panose="020B0604020202020204" pitchFamily="34" charset="0"/>
+              </a:rPr>
+              <a:t>and select it.</a:t>
+            </a:r>
+          </a:p>
+        </p:txBody>
+      </p:sp>
+      <p:sp>
+        <p:nvSpPr>
+          <p:cNvPr id="9" name="Rectangle 2"/>
+          <p:cNvSpPr>
+            <a:spLocks noChangeArrowheads="1"/>
+          </p:cNvSpPr>
+          <p:nvPr/>
+        </p:nvSpPr>
+        <p:spPr bwMode="auto">
+          <a:xfrm>
+            <a:off x="483683" y="2889332"/>
+            <a:ext cx="12192000" cy="457200"/>
+          </a:xfrm>
+          <a:prstGeom prst="rect">
+            <a:avLst/>
+          </a:prstGeom>
+          <a:noFill/>
+          <a:ln>
+            <a:noFill/>
+          </a:ln>
+          <a:effectLst/>
+          <a:extLst>
+            <a:ext uri="{909E8E84-426E-40DD-AFC4-6F175D3DCCD1}">
+              <a14:hiddenFill xmlns:a14="http://schemas.microsoft.com/office/drawing/2010/main">
+                <a:solidFill>
+                  <a:schemeClr val="accent1"/>
+                </a:solidFill>
+              </a14:hiddenFill>
+            </a:ext>
+            <a:ext uri="{91240B29-F687-4F45-9708-019B960494DF}">
+              <a14:hiddenLine xmlns:a14="http://schemas.microsoft.com/office/drawing/2010/main" w="9525">
+                <a:solidFill>
+                  <a:schemeClr val="tx1"/>
+                </a:solidFill>
+                <a:miter lim="800000"/>
+                <a:headEnd/>
+                <a:tailEnd/>
+              </a14:hiddenLine>
+            </a:ext>
+            <a:ext uri="{AF507438-7753-43E0-B8FC-AC1667EBCBE1}">
+              <a14:hiddenEffects xmlns:a14="http://schemas.microsoft.com/office/drawing/2010/main">
+                <a:effectLst>
+                  <a:outerShdw dist="35921" dir="2700000" algn="ctr" rotWithShape="0">
+                    <a:schemeClr val="bg2"/>
+                  </a:outerShdw>
+                </a:effectLst>
+              </a14:hiddenEffects>
+            </a:ext>
+          </a:extLst>
+        </p:spPr>
+        <p:txBody>
+          <a:bodyPr vert="horz" wrap="none" lIns="91440" tIns="45720" rIns="91440" bIns="45720" numCol="1" anchor="ctr" anchorCtr="0" compatLnSpc="1">
+            <a:prstTxWarp prst="textNoShape">
+              <a:avLst/>
+            </a:prstTxWarp>
+            <a:spAutoFit/>
+          </a:bodyPr>
+          <a:lstStyle/>
+          <a:p>
+            <a:pPr xmlns:a="http://schemas.openxmlformats.org/drawingml/2006/main" marL="0" marR="0" lvl="0" indent="0" algn="l" defTabSz="914400" rtl="0" eaLnBrk="0" fontAlgn="base" latinLnBrk="0" hangingPunct="0">
+              <a:lnSpc>
+                <a:spcPct val="100000"/>
+              </a:lnSpc>
+              <a:spcBef>
+                <a:spcPct val="0"/>
+              </a:spcBef>
+              <a:spcAft>
+                <a:spcPct val="0"/>
+              </a:spcAft>
+              <a:buClrTx/>
+              <a:buSzTx/>
+              <a:buFontTx/>
+              <a:buNone/>
+              <a:tabLst/>
+            </a:pPr>
+            <a:r xmlns:a="http://schemas.openxmlformats.org/drawingml/2006/main">
+              <a:rPr kumimoji="0" lang="en" altLang="en-US" sz="1800" b="0" i="0" u="none" strike="noStrike" cap="none" normalizeH="0" baseline="0" smtClean="0">
+                <a:ln>
+                  <a:noFill/>
+                </a:ln>
+                <a:solidFill>
+                  <a:schemeClr val="tx1"/>
+                </a:solidFill>
+                <a:effectLst/>
+                <a:latin typeface="Arial" panose="020B0604020202020204" pitchFamily="34" charset="0"/>
+              </a:rPr>
+              <a:t>Verify that the files represent the same structure, then choose </a:t>
+            </a:r>
+            <a:r xmlns:a="http://schemas.openxmlformats.org/drawingml/2006/main">
+              <a:rPr kumimoji="0" lang="en" altLang="en-US" sz="1800" b="1" i="0" u="none" strike="noStrike" cap="none" normalizeH="0" baseline="0" smtClean="0">
+                <a:ln>
+                  <a:noFill/>
+                </a:ln>
+                <a:solidFill>
+                  <a:schemeClr val="tx1"/>
+                </a:solidFill>
+                <a:effectLst/>
+                <a:latin typeface="Arial" panose="020B0604020202020204" pitchFamily="34" charset="0"/>
+              </a:rPr>
+              <a:t>Combine and Load </a:t>
+            </a:r>
+            <a:r xmlns:a="http://schemas.openxmlformats.org/drawingml/2006/main">
+              <a:rPr kumimoji="0" lang="en" altLang="en-US" sz="1800" b="0" i="0" u="none" strike="noStrike" cap="none" normalizeH="0" baseline="0" smtClean="0">
+                <a:ln>
+                  <a:noFill/>
+                </a:ln>
+                <a:solidFill>
+                  <a:schemeClr val="tx1"/>
+                </a:solidFill>
+                <a:effectLst/>
+                <a:latin typeface="Arial" panose="020B0604020202020204" pitchFamily="34" charset="0"/>
+              </a:rPr>
+              <a:t>.</a:t>
+            </a:r>
+          </a:p>
+        </p:txBody>
+      </p:sp>
     </p:spTree>
     <p:extLst>
       <p:ext uri="{BB962C8B-B14F-4D97-AF65-F5344CB8AC3E}">
@@ -4807,7 +5060,7 @@
           </a:bodyPr>
           <a:lstStyle/>
           <a:p>
-            <a:pPr>
+            <a:pPr xmlns:a="http://schemas.openxmlformats.org/drawingml/2006/main">
               <a:lnSpc>
                 <a:spcPct val="107000"/>
               </a:lnSpc>
@@ -4818,153 +5071,18 @@
                 <a:spcPts val="0"/>
               </a:spcAft>
             </a:pPr>
-            <a:r>
-              <a:rPr lang="en-US" b="1" kern="0" dirty="0" smtClean="0">
+            <a:r xmlns:a="http://schemas.openxmlformats.org/drawingml/2006/main">
+              <a:rPr lang="en" b="1" kern="0" dirty="0" smtClean="0">
                 <a:latin typeface="Segoe UI" panose="020B0502040204020203" pitchFamily="34" charset="0"/>
                 <a:ea typeface="Times New Roman" panose="02020603050405020304" pitchFamily="18" charset="0"/>
                 <a:cs typeface="Times New Roman" panose="02020603050405020304" pitchFamily="18" charset="0"/>
               </a:rPr>
-              <a:t>Importing </a:t>
-            </a:r>
-            <a:r>
-              <a:rPr lang="en-US" b="1" kern="0" dirty="0" smtClean="0">
-                <a:latin typeface="Segoe UI" panose="020B0502040204020203" pitchFamily="34" charset="0"/>
-                <a:ea typeface="Times New Roman" panose="02020603050405020304" pitchFamily="18" charset="0"/>
-                <a:cs typeface="Times New Roman" panose="02020603050405020304" pitchFamily="18" charset="0"/>
-              </a:rPr>
-              <a:t>from multiple files</a:t>
-            </a:r>
-            <a:endParaRPr lang="en-US" b="1" kern="0" dirty="0">
+              <a:t>Importing from multiple files</a:t>
+            </a:r>
+            <a:endParaRPr xmlns:a="http://schemas.openxmlformats.org/drawingml/2006/main" lang="en-US" b="1" kern="0" dirty="0">
               <a:latin typeface="Segoe UI" panose="020B0502040204020203" pitchFamily="34" charset="0"/>
               <a:ea typeface="Times New Roman" panose="02020603050405020304" pitchFamily="18" charset="0"/>
               <a:cs typeface="Times New Roman" panose="02020603050405020304" pitchFamily="18" charset="0"/>
-            </a:endParaRPr>
-          </a:p>
-        </p:txBody>
-      </p:sp>
-      <p:sp>
-        <p:nvSpPr>
-          <p:cNvPr id="11" name="Rectangle 2"/>
-          <p:cNvSpPr>
-            <a:spLocks noChangeArrowheads="1"/>
-          </p:cNvSpPr>
-          <p:nvPr/>
-        </p:nvSpPr>
-        <p:spPr bwMode="auto">
-          <a:xfrm>
-            <a:off x="449178" y="1952977"/>
-            <a:ext cx="13523552" cy="45719"/>
-          </a:xfrm>
-          <a:prstGeom prst="rect">
-            <a:avLst/>
-          </a:prstGeom>
-          <a:noFill/>
-          <a:ln>
-            <a:noFill/>
-          </a:ln>
-          <a:effectLst/>
-          <a:extLst>
-            <a:ext uri="{909E8E84-426E-40DD-AFC4-6F175D3DCCD1}">
-              <a14:hiddenFill xmlns:a14="http://schemas.microsoft.com/office/drawing/2010/main">
-                <a:solidFill>
-                  <a:schemeClr val="accent1"/>
-                </a:solidFill>
-              </a14:hiddenFill>
-            </a:ext>
-            <a:ext uri="{91240B29-F687-4F45-9708-019B960494DF}">
-              <a14:hiddenLine xmlns:a14="http://schemas.microsoft.com/office/drawing/2010/main" w="9525">
-                <a:solidFill>
-                  <a:schemeClr val="tx1"/>
-                </a:solidFill>
-                <a:miter lim="800000"/>
-                <a:headEnd/>
-                <a:tailEnd/>
-              </a14:hiddenLine>
-            </a:ext>
-            <a:ext uri="{AF507438-7753-43E0-B8FC-AC1667EBCBE1}">
-              <a14:hiddenEffects xmlns:a14="http://schemas.microsoft.com/office/drawing/2010/main">
-                <a:effectLst>
-                  <a:outerShdw dist="35921" dir="2700000" algn="ctr" rotWithShape="0">
-                    <a:schemeClr val="bg2"/>
-                  </a:outerShdw>
-                </a:effectLst>
-              </a14:hiddenEffects>
-            </a:ext>
-          </a:extLst>
-        </p:spPr>
-        <p:txBody>
-          <a:bodyPr vert="horz" wrap="square" lIns="91440" tIns="45720" rIns="91440" bIns="45720" numCol="1" anchor="ctr" anchorCtr="0" compatLnSpc="1">
-            <a:prstTxWarp prst="textNoShape">
-              <a:avLst/>
-            </a:prstTxWarp>
-            <a:spAutoFit/>
-          </a:bodyPr>
-          <a:lstStyle/>
-          <a:p>
-            <a:endParaRPr lang="en-US"/>
-          </a:p>
-        </p:txBody>
-      </p:sp>
-      <p:sp>
-        <p:nvSpPr>
-          <p:cNvPr id="2" name="Rectangle 1"/>
-          <p:cNvSpPr/>
-          <p:nvPr/>
-        </p:nvSpPr>
-        <p:spPr>
-          <a:xfrm>
-            <a:off x="449178" y="696015"/>
-            <a:ext cx="10172814" cy="646331"/>
-          </a:xfrm>
-          <a:prstGeom prst="rect">
-            <a:avLst/>
-          </a:prstGeom>
-        </p:spPr>
-        <p:txBody>
-          <a:bodyPr wrap="square">
-            <a:spAutoFit/>
-          </a:bodyPr>
-          <a:lstStyle/>
-          <a:p>
-            <a:pPr lvl="0"/>
-            <a:r>
-              <a:rPr lang="en-US" dirty="0" smtClean="0">
-                <a:latin typeface="Segoe UI" panose="020B0502040204020203" pitchFamily="34" charset="0"/>
-                <a:cs typeface="Segoe UI" panose="020B0502040204020203" pitchFamily="34" charset="0"/>
-              </a:rPr>
-              <a:t>Go back to the </a:t>
-            </a:r>
-            <a:r>
-              <a:rPr lang="en-US" b="1" dirty="0" smtClean="0">
-                <a:latin typeface="Segoe UI" panose="020B0502040204020203" pitchFamily="34" charset="0"/>
-                <a:cs typeface="Segoe UI" panose="020B0502040204020203" pitchFamily="34" charset="0"/>
-              </a:rPr>
-              <a:t>file3.txt</a:t>
-            </a:r>
-            <a:r>
-              <a:rPr lang="en-US" dirty="0" smtClean="0">
-                <a:latin typeface="Segoe UI" panose="020B0502040204020203" pitchFamily="34" charset="0"/>
-                <a:cs typeface="Segoe UI" panose="020B0502040204020203" pitchFamily="34" charset="0"/>
-              </a:rPr>
-              <a:t> in the disk and edit it replace the value </a:t>
-            </a:r>
-            <a:r>
-              <a:rPr lang="en-US" b="1" dirty="0" smtClean="0">
-                <a:latin typeface="Segoe UI" panose="020B0502040204020203" pitchFamily="34" charset="0"/>
-                <a:cs typeface="Segoe UI" panose="020B0502040204020203" pitchFamily="34" charset="0"/>
-              </a:rPr>
-              <a:t>25</a:t>
-            </a:r>
-            <a:r>
-              <a:rPr lang="en-US" dirty="0" smtClean="0">
-                <a:latin typeface="Segoe UI" panose="020B0502040204020203" pitchFamily="34" charset="0"/>
-                <a:cs typeface="Segoe UI" panose="020B0502040204020203" pitchFamily="34" charset="0"/>
-              </a:rPr>
-              <a:t> with empty or a special character to test the case where a file represents an anomaly when loading</a:t>
-            </a:r>
-            <a:endParaRPr lang="en-US" dirty="0">
-              <a:latin typeface="Segoe UI" panose="020B0502040204020203" pitchFamily="34" charset="0"/>
-              <a:cs typeface="Segoe UI" panose="020B0502040204020203" pitchFamily="34" charset="0"/>
             </a:endParaRPr>
           </a:p>
         </p:txBody>
@@ -5011,52 +5129,6 @@
           </a:extLst>
         </p:spPr>
       </p:pic>
-      <p:sp>
-        <p:nvSpPr>
-          <p:cNvPr id="6" name="Rectangle 5"/>
-          <p:cNvSpPr/>
-          <p:nvPr/>
-        </p:nvSpPr>
-        <p:spPr>
-          <a:xfrm>
-            <a:off x="449178" y="3647248"/>
-            <a:ext cx="6096000" cy="373692"/>
-          </a:xfrm>
-          <a:prstGeom prst="rect">
-            <a:avLst/>
-          </a:prstGeom>
-        </p:spPr>
-        <p:txBody>
-          <a:bodyPr>
-            <a:spAutoFit/>
-          </a:bodyPr>
-          <a:lstStyle/>
-          <a:p>
-            <a:pPr lvl="0">
-              <a:lnSpc>
-                <a:spcPct val="107000"/>
-              </a:lnSpc>
-              <a:spcAft>
-                <a:spcPts val="800"/>
-              </a:spcAft>
-            </a:pPr>
-            <a:r>
-              <a:rPr lang="en-US" dirty="0" smtClean="0">
-                <a:latin typeface="Segoe UI" panose="020B0502040204020203" pitchFamily="34" charset="0"/>
-                <a:ea typeface="Calibri" panose="020F0502020204030204" pitchFamily="34" charset="0"/>
-                <a:cs typeface="Times New Roman" panose="02020603050405020304" pitchFamily="18" charset="0"/>
-              </a:rPr>
-              <a:t>Notice that when loading there is ? instead of the anomaly</a:t>
-            </a:r>
-            <a:endParaRPr lang="en-US" sz="1400" dirty="0">
-              <a:effectLst/>
-              <a:latin typeface="Calibri" panose="020F0502020204030204" pitchFamily="34" charset="0"/>
-              <a:ea typeface="Calibri" panose="020F0502020204030204" pitchFamily="34" charset="0"/>
-              <a:cs typeface="Times New Roman" panose="02020603050405020304" pitchFamily="18" charset="0"/>
-            </a:endParaRPr>
-          </a:p>
-        </p:txBody>
-      </p:sp>
       <p:pic>
         <p:nvPicPr>
           <p:cNvPr id="10" name="Picture 9"/>
@@ -5133,6 +5205,349 @@
           </a:effectLst>
         </p:spPr>
       </p:pic>
+      <p:sp>
+        <p:nvSpPr>
+          <p:cNvPr id="4" name="Rectangle 1"/>
+          <p:cNvSpPr>
+            <a:spLocks noChangeArrowheads="1"/>
+          </p:cNvSpPr>
+          <p:nvPr/>
+        </p:nvSpPr>
+        <p:spPr bwMode="auto">
+          <a:xfrm>
+            <a:off x="449178" y="695615"/>
+            <a:ext cx="11093711" cy="646331"/>
+          </a:xfrm>
+          <a:prstGeom prst="rect">
+            <a:avLst/>
+          </a:prstGeom>
+          <a:noFill/>
+          <a:ln>
+            <a:noFill/>
+          </a:ln>
+          <a:effectLst/>
+          <a:extLst>
+            <a:ext uri="{909E8E84-426E-40DD-AFC4-6F175D3DCCD1}">
+              <a14:hiddenFill xmlns:a14="http://schemas.microsoft.com/office/drawing/2010/main">
+                <a:solidFill>
+                  <a:schemeClr val="accent1"/>
+                </a:solidFill>
+              </a14:hiddenFill>
+            </a:ext>
+            <a:ext uri="{91240B29-F687-4F45-9708-019B960494DF}">
+              <a14:hiddenLine xmlns:a14="http://schemas.microsoft.com/office/drawing/2010/main" w="9525">
+                <a:solidFill>
+                  <a:schemeClr val="tx1"/>
+                </a:solidFill>
+                <a:miter lim="800000"/>
+                <a:headEnd/>
+                <a:tailEnd/>
+              </a14:hiddenLine>
+            </a:ext>
+            <a:ext uri="{AF507438-7753-43E0-B8FC-AC1667EBCBE1}">
+              <a14:hiddenEffects xmlns:a14="http://schemas.microsoft.com/office/drawing/2010/main">
+                <a:effectLst>
+                  <a:outerShdw dist="35921" dir="2700000" algn="ctr" rotWithShape="0">
+                    <a:schemeClr val="bg2"/>
+                  </a:outerShdw>
+                </a:effectLst>
+              </a14:hiddenEffects>
+            </a:ext>
+          </a:extLst>
+        </p:spPr>
+        <p:txBody>
+          <a:bodyPr vert="horz" wrap="square" lIns="91440" tIns="45720" rIns="91440" bIns="45720" numCol="1" anchor="ctr" anchorCtr="0" compatLnSpc="1">
+            <a:prstTxWarp prst="textNoShape">
+              <a:avLst/>
+            </a:prstTxWarp>
+            <a:spAutoFit/>
+          </a:bodyPr>
+          <a:lstStyle/>
+          <a:p>
+            <a:pPr xmlns:a="http://schemas.openxmlformats.org/drawingml/2006/main" marL="0" marR="0" lvl="0" indent="0" algn="l" defTabSz="914400" rtl="0" eaLnBrk="0" fontAlgn="base" latinLnBrk="0" hangingPunct="0">
+              <a:lnSpc>
+                <a:spcPct val="100000"/>
+              </a:lnSpc>
+              <a:spcBef>
+                <a:spcPct val="0"/>
+              </a:spcBef>
+              <a:spcAft>
+                <a:spcPct val="0"/>
+              </a:spcAft>
+              <a:buClrTx/>
+              <a:buSzTx/>
+              <a:buFontTx/>
+              <a:buNone/>
+              <a:tabLst/>
+            </a:pPr>
+            <a:r xmlns:a="http://schemas.openxmlformats.org/drawingml/2006/main">
+              <a:rPr kumimoji="0" lang="en" altLang="en-US" sz="1800" b="0" i="0" u="none" strike="noStrike" cap="none" normalizeH="0" baseline="0" dirty="0" smtClean="0">
+                <a:ln>
+                  <a:noFill/>
+                </a:ln>
+                <a:solidFill>
+                  <a:schemeClr val="tx1"/>
+                </a:solidFill>
+                <a:effectLst/>
+                <a:latin typeface="Arial" panose="020B0604020202020204" pitchFamily="34" charset="0"/>
+              </a:rPr>
+              <a:t>Go back to the </a:t>
+            </a:r>
+            <a:r xmlns:a="http://schemas.openxmlformats.org/drawingml/2006/main">
+              <a:rPr kumimoji="0" lang="en" altLang="en-US" sz="1800" b="1" i="0" u="none" strike="noStrike" cap="none" normalizeH="0" baseline="0" dirty="0" smtClean="0">
+                <a:ln>
+                  <a:noFill/>
+                </a:ln>
+                <a:solidFill>
+                  <a:schemeClr val="tx1"/>
+                </a:solidFill>
+                <a:effectLst/>
+                <a:latin typeface="Arial" panose="020B0604020202020204" pitchFamily="34" charset="0"/>
+              </a:rPr>
+              <a:t>file3.txt </a:t>
+            </a:r>
+            <a:r xmlns:a="http://schemas.openxmlformats.org/drawingml/2006/main">
+              <a:rPr kumimoji="0" lang="en" altLang="en-US" sz="1800" b="0" i="0" u="none" strike="noStrike" cap="none" normalizeH="0" baseline="0" dirty="0" smtClean="0">
+                <a:ln>
+                  <a:noFill/>
+                </a:ln>
+                <a:solidFill>
+                  <a:schemeClr val="tx1"/>
+                </a:solidFill>
+                <a:effectLst/>
+                <a:latin typeface="Arial" panose="020B0604020202020204" pitchFamily="34" charset="0"/>
+              </a:rPr>
+              <a:t>on disk and edit it. Change the value </a:t>
+            </a:r>
+            <a:r xmlns:a="http://schemas.openxmlformats.org/drawingml/2006/main">
+              <a:rPr kumimoji="0" lang="en" altLang="en-US" sz="1800" b="1" i="0" u="none" strike="noStrike" cap="none" normalizeH="0" baseline="0" dirty="0" smtClean="0">
+                <a:ln>
+                  <a:noFill/>
+                </a:ln>
+                <a:solidFill>
+                  <a:schemeClr val="tx1"/>
+                </a:solidFill>
+                <a:effectLst/>
+                <a:latin typeface="Arial" panose="020B0604020202020204" pitchFamily="34" charset="0"/>
+              </a:rPr>
+              <a:t>25 </a:t>
+            </a:r>
+            <a:r xmlns:a="http://schemas.openxmlformats.org/drawingml/2006/main">
+              <a:rPr kumimoji="0" lang="en" altLang="en-US" sz="1800" b="0" i="0" u="none" strike="noStrike" cap="none" normalizeH="0" baseline="0" dirty="0" smtClean="0">
+                <a:ln>
+                  <a:noFill/>
+                </a:ln>
+                <a:solidFill>
+                  <a:schemeClr val="tx1"/>
+                </a:solidFill>
+                <a:effectLst/>
+                <a:latin typeface="Arial" panose="020B0604020202020204" pitchFamily="34" charset="0"/>
+              </a:rPr>
+              <a:t>to</a:t>
+            </a:r>
+            <a:r xmlns:a="http://schemas.openxmlformats.org/drawingml/2006/main">
+              <a:rPr kumimoji="0" lang="en" altLang="en-US" sz="1800" b="0" i="0" u="none" strike="noStrike" cap="none" normalizeH="0" dirty="0" smtClean="0">
+                <a:ln>
+                  <a:noFill/>
+                </a:ln>
+                <a:solidFill>
+                  <a:schemeClr val="tx1"/>
+                </a:solidFill>
+                <a:effectLst/>
+                <a:latin typeface="Arial" panose="020B0604020202020204" pitchFamily="34" charset="0"/>
+              </a:rPr>
+              <a:t> </a:t>
+            </a:r>
+            <a:r xmlns:a="http://schemas.openxmlformats.org/drawingml/2006/main">
+              <a:rPr kumimoji="0" lang="en" altLang="en-US" sz="1800" b="0" i="0" u="none" strike="noStrike" cap="none" normalizeH="0" baseline="0" dirty="0" smtClean="0">
+                <a:ln>
+                  <a:noFill/>
+                </a:ln>
+                <a:solidFill>
+                  <a:schemeClr val="tx1"/>
+                </a:solidFill>
+                <a:effectLst/>
+                <a:latin typeface="Arial" panose="020B0604020202020204" pitchFamily="34" charset="0"/>
+              </a:rPr>
+              <a:t>a blank space or a special character to test the case where a file represents</a:t>
+            </a:r>
+            <a:r xmlns:a="http://schemas.openxmlformats.org/drawingml/2006/main">
+              <a:rPr kumimoji="0" lang="en" altLang="en-US" sz="1800" b="0" i="0" u="none" strike="noStrike" cap="none" normalizeH="0" dirty="0" smtClean="0">
+                <a:ln>
+                  <a:noFill/>
+                </a:ln>
+                <a:solidFill>
+                  <a:schemeClr val="tx1"/>
+                </a:solidFill>
+                <a:effectLst/>
+                <a:latin typeface="Arial" panose="020B0604020202020204" pitchFamily="34" charset="0"/>
+              </a:rPr>
+              <a:t> </a:t>
+            </a:r>
+            <a:r xmlns:a="http://schemas.openxmlformats.org/drawingml/2006/main">
+              <a:rPr kumimoji="0" lang="en" altLang="en-US" sz="1800" b="0" i="0" u="none" strike="noStrike" cap="none" normalizeH="0" baseline="0" dirty="0" smtClean="0">
+                <a:ln>
+                  <a:noFill/>
+                </a:ln>
+                <a:solidFill>
+                  <a:schemeClr val="tx1"/>
+                </a:solidFill>
+                <a:effectLst/>
+                <a:latin typeface="Arial" panose="020B0604020202020204" pitchFamily="34" charset="0"/>
+              </a:rPr>
+              <a:t>an anomaly during loading.</a:t>
+            </a:r>
+          </a:p>
+        </p:txBody>
+      </p:sp>
+      <p:sp>
+        <p:nvSpPr>
+          <p:cNvPr id="5" name="Rectangle 2"/>
+          <p:cNvSpPr>
+            <a:spLocks noChangeArrowheads="1"/>
+          </p:cNvSpPr>
+          <p:nvPr/>
+        </p:nvSpPr>
+        <p:spPr bwMode="auto">
+          <a:xfrm>
+            <a:off x="383973" y="3657554"/>
+            <a:ext cx="6109365" cy="646331"/>
+          </a:xfrm>
+          <a:prstGeom prst="rect">
+            <a:avLst/>
+          </a:prstGeom>
+          <a:noFill/>
+          <a:ln>
+            <a:noFill/>
+          </a:ln>
+          <a:effectLst/>
+          <a:extLst>
+            <a:ext uri="{909E8E84-426E-40DD-AFC4-6F175D3DCCD1}">
+              <a14:hiddenFill xmlns:a14="http://schemas.microsoft.com/office/drawing/2010/main">
+                <a:solidFill>
+                  <a:schemeClr val="accent1"/>
+                </a:solidFill>
+              </a14:hiddenFill>
+            </a:ext>
+            <a:ext uri="{91240B29-F687-4F45-9708-019B960494DF}">
+              <a14:hiddenLine xmlns:a14="http://schemas.microsoft.com/office/drawing/2010/main" w="9525">
+                <a:solidFill>
+                  <a:schemeClr val="tx1"/>
+                </a:solidFill>
+                <a:miter lim="800000"/>
+                <a:headEnd/>
+                <a:tailEnd/>
+              </a14:hiddenLine>
+            </a:ext>
+            <a:ext uri="{AF507438-7753-43E0-B8FC-AC1667EBCBE1}">
+              <a14:hiddenEffects xmlns:a14="http://schemas.microsoft.com/office/drawing/2010/main">
+                <a:effectLst>
+                  <a:outerShdw dist="35921" dir="2700000" algn="ctr" rotWithShape="0">
+                    <a:schemeClr val="bg2"/>
+                  </a:outerShdw>
+                </a:effectLst>
+              </a14:hiddenEffects>
+            </a:ext>
+          </a:extLst>
+        </p:spPr>
+        <p:txBody>
+          <a:bodyPr vert="horz" wrap="none" lIns="91440" tIns="45720" rIns="91440" bIns="45720" numCol="1" anchor="ctr" anchorCtr="0" compatLnSpc="1">
+            <a:prstTxWarp prst="textNoShape">
+              <a:avLst/>
+            </a:prstTxWarp>
+            <a:spAutoFit/>
+          </a:bodyPr>
+          <a:lstStyle/>
+          <a:p>
+            <a:pPr xmlns:a="http://schemas.openxmlformats.org/drawingml/2006/main" marL="0" marR="0" lvl="0" indent="0" algn="l" defTabSz="914400" rtl="0" eaLnBrk="0" fontAlgn="base" latinLnBrk="0" hangingPunct="0">
+              <a:lnSpc>
+                <a:spcPct val="100000"/>
+              </a:lnSpc>
+              <a:spcBef>
+                <a:spcPct val="0"/>
+              </a:spcBef>
+              <a:spcAft>
+                <a:spcPct val="0"/>
+              </a:spcAft>
+              <a:buClrTx/>
+              <a:buSzTx/>
+              <a:buFontTx/>
+              <a:buNone/>
+              <a:tabLst/>
+            </a:pPr>
+            <a:r xmlns:a="http://schemas.openxmlformats.org/drawingml/2006/main">
+              <a:rPr kumimoji="0" lang="en" altLang="en-US" sz="1800" b="0" i="0" u="none" strike="noStrike" cap="none" normalizeH="0" baseline="0" dirty="0" smtClean="0">
+                <a:ln>
+                  <a:noFill/>
+                </a:ln>
+                <a:solidFill>
+                  <a:schemeClr val="tx1"/>
+                </a:solidFill>
+                <a:effectLst/>
+                <a:latin typeface="Arial" panose="020B0604020202020204" pitchFamily="34" charset="0"/>
+              </a:rPr>
+              <a:t>Notice that when loading, there is a </a:t>
+            </a:r>
+            <a:r xmlns:a="http://schemas.openxmlformats.org/drawingml/2006/main">
+              <a:rPr kumimoji="0" lang="en" altLang="en-US" sz="1800" b="1" i="0" u="none" strike="noStrike" cap="none" normalizeH="0" baseline="0" dirty="0" smtClean="0">
+                <a:ln>
+                  <a:noFill/>
+                </a:ln>
+                <a:solidFill>
+                  <a:schemeClr val="tx1"/>
+                </a:solidFill>
+                <a:effectLst/>
+                <a:latin typeface="Arial" panose="020B0604020202020204" pitchFamily="34" charset="0"/>
+              </a:rPr>
+              <a:t>? </a:t>
+            </a:r>
+            <a:r xmlns:a="http://schemas.openxmlformats.org/drawingml/2006/main">
+              <a:rPr kumimoji="0" lang="en" altLang="en-US" sz="1800" b="0" i="0" u="none" strike="noStrike" cap="none" normalizeH="0" baseline="0" dirty="0" smtClean="0">
+                <a:ln>
+                  <a:noFill/>
+                </a:ln>
+                <a:solidFill>
+                  <a:schemeClr val="tx1"/>
+                </a:solidFill>
+                <a:effectLst/>
+                <a:latin typeface="Arial" panose="020B0604020202020204" pitchFamily="34" charset="0"/>
+              </a:rPr>
+              <a:t>instead</a:t>
+            </a:r>
+          </a:p>
+          <a:p>
+            <a:pPr xmlns:a="http://schemas.openxmlformats.org/drawingml/2006/main" marL="0" marR="0" lvl="0" indent="0" algn="l" defTabSz="914400" rtl="0" eaLnBrk="0" fontAlgn="base" latinLnBrk="0" hangingPunct="0">
+              <a:lnSpc>
+                <a:spcPct val="100000"/>
+              </a:lnSpc>
+              <a:spcBef>
+                <a:spcPct val="0"/>
+              </a:spcBef>
+              <a:spcAft>
+                <a:spcPct val="0"/>
+              </a:spcAft>
+              <a:buClrTx/>
+              <a:buSzTx/>
+              <a:buFontTx/>
+              <a:buNone/>
+              <a:tabLst/>
+            </a:pPr>
+            <a:r xmlns:a="http://schemas.openxmlformats.org/drawingml/2006/main">
+              <a:rPr kumimoji="0" lang="en" altLang="en-US" sz="1800" b="0" i="0" u="none" strike="noStrike" cap="none" normalizeH="0" baseline="0" dirty="0" smtClean="0">
+                <a:ln>
+                  <a:noFill/>
+                </a:ln>
+                <a:solidFill>
+                  <a:schemeClr val="tx1"/>
+                </a:solidFill>
+                <a:effectLst/>
+                <a:latin typeface="Arial" panose="020B0604020202020204" pitchFamily="34" charset="0"/>
+              </a:rPr>
+              <a:t>of the anomaly.</a:t>
+            </a:r>
+          </a:p>
+        </p:txBody>
+      </p:sp>
     </p:spTree>
     <p:extLst>
       <p:ext uri="{BB962C8B-B14F-4D97-AF65-F5344CB8AC3E}">
@@ -5212,14 +5627,14 @@
       </p:sp>
       <p:sp>
         <p:nvSpPr>
-          <p:cNvPr id="5" name="TextBox 4"/>
+          <p:cNvPr id="7" name="TextBox 4"/>
           <p:cNvSpPr txBox="1"/>
           <p:nvPr/>
         </p:nvSpPr>
         <p:spPr>
           <a:xfrm>
-            <a:off x="2916199" y="2162433"/>
-            <a:ext cx="6230360" cy="1569660"/>
+            <a:off x="4402178" y="2685208"/>
+            <a:ext cx="3456395" cy="1569660"/>
           </a:xfrm>
           <a:prstGeom prst="rect">
             <a:avLst/>
@@ -5230,10 +5645,104 @@
           <a:bodyPr wrap="none" rtlCol="0">
             <a:spAutoFit/>
           </a:bodyPr>
-          <a:lstStyle/>
-          <a:p>
-            <a:r>
-              <a:rPr lang="en-US" sz="9600" b="1" dirty="0" smtClean="0">
+          <a:lstStyle>
+            <a:defPPr>
+              <a:defRPr lang="en-US"/>
+            </a:defPPr>
+            <a:lvl1pPr marL="0" algn="l" defTabSz="914400" rtl="0" eaLnBrk="1" latinLnBrk="0" hangingPunct="1">
+              <a:defRPr sz="1800" kern="1200">
+                <a:solidFill>
+                  <a:schemeClr val="tx1"/>
+                </a:solidFill>
+                <a:latin typeface="+mn-lt"/>
+                <a:ea typeface="+mn-ea"/>
+                <a:cs typeface="+mn-cs"/>
+              </a:defRPr>
+            </a:lvl1pPr>
+            <a:lvl2pPr marL="457200" algn="l" defTabSz="914400" rtl="0" eaLnBrk="1" latinLnBrk="0" hangingPunct="1">
+              <a:defRPr sz="1800" kern="1200">
+                <a:solidFill>
+                  <a:schemeClr val="tx1"/>
+                </a:solidFill>
+                <a:latin typeface="+mn-lt"/>
+                <a:ea typeface="+mn-ea"/>
+                <a:cs typeface="+mn-cs"/>
+              </a:defRPr>
+            </a:lvl2pPr>
+            <a:lvl3pPr marL="914400" algn="l" defTabSz="914400" rtl="0" eaLnBrk="1" latinLnBrk="0" hangingPunct="1">
+              <a:defRPr sz="1800" kern="1200">
+                <a:solidFill>
+                  <a:schemeClr val="tx1"/>
+                </a:solidFill>
+                <a:latin typeface="+mn-lt"/>
+                <a:ea typeface="+mn-ea"/>
+                <a:cs typeface="+mn-cs"/>
+              </a:defRPr>
+            </a:lvl3pPr>
+            <a:lvl4pPr marL="1371600" algn="l" defTabSz="914400" rtl="0" eaLnBrk="1" latinLnBrk="0" hangingPunct="1">
+              <a:defRPr sz="1800" kern="1200">
+                <a:solidFill>
+                  <a:schemeClr val="tx1"/>
+                </a:solidFill>
+                <a:latin typeface="+mn-lt"/>
+                <a:ea typeface="+mn-ea"/>
+                <a:cs typeface="+mn-cs"/>
+              </a:defRPr>
+            </a:lvl4pPr>
+            <a:lvl5pPr marL="1828800" algn="l" defTabSz="914400" rtl="0" eaLnBrk="1" latinLnBrk="0" hangingPunct="1">
+              <a:defRPr sz="1800" kern="1200">
+                <a:solidFill>
+                  <a:schemeClr val="tx1"/>
+                </a:solidFill>
+                <a:latin typeface="+mn-lt"/>
+                <a:ea typeface="+mn-ea"/>
+                <a:cs typeface="+mn-cs"/>
+              </a:defRPr>
+            </a:lvl5pPr>
+            <a:lvl6pPr marL="2286000" algn="l" defTabSz="914400" rtl="0" eaLnBrk="1" latinLnBrk="0" hangingPunct="1">
+              <a:defRPr sz="1800" kern="1200">
+                <a:solidFill>
+                  <a:schemeClr val="tx1"/>
+                </a:solidFill>
+                <a:latin typeface="+mn-lt"/>
+                <a:ea typeface="+mn-ea"/>
+                <a:cs typeface="+mn-cs"/>
+              </a:defRPr>
+            </a:lvl6pPr>
+            <a:lvl7pPr marL="2743200" algn="l" defTabSz="914400" rtl="0" eaLnBrk="1" latinLnBrk="0" hangingPunct="1">
+              <a:defRPr sz="1800" kern="1200">
+                <a:solidFill>
+                  <a:schemeClr val="tx1"/>
+                </a:solidFill>
+                <a:latin typeface="+mn-lt"/>
+                <a:ea typeface="+mn-ea"/>
+                <a:cs typeface="+mn-cs"/>
+              </a:defRPr>
+            </a:lvl7pPr>
+            <a:lvl8pPr marL="3200400" algn="l" defTabSz="914400" rtl="0" eaLnBrk="1" latinLnBrk="0" hangingPunct="1">
+              <a:defRPr sz="1800" kern="1200">
+                <a:solidFill>
+                  <a:schemeClr val="tx1"/>
+                </a:solidFill>
+                <a:latin typeface="+mn-lt"/>
+                <a:ea typeface="+mn-ea"/>
+                <a:cs typeface="+mn-cs"/>
+              </a:defRPr>
+            </a:lvl8pPr>
+            <a:lvl9pPr marL="3657600" algn="l" defTabSz="914400" rtl="0" eaLnBrk="1" latinLnBrk="0" hangingPunct="1">
+              <a:defRPr sz="1800" kern="1200">
+                <a:solidFill>
+                  <a:schemeClr val="tx1"/>
+                </a:solidFill>
+                <a:latin typeface="+mn-lt"/>
+                <a:ea typeface="+mn-ea"/>
+                <a:cs typeface="+mn-cs"/>
+              </a:defRPr>
+            </a:lvl9pPr>
+          </a:lstStyle>
+          <a:p>
+            <a:r xmlns:a="http://schemas.openxmlformats.org/drawingml/2006/main">
+              <a:rPr lang="en" sz="9600" b="1" dirty="0" smtClean="0">
                 <a:solidFill>
                   <a:srgbClr val="7030A0"/>
                 </a:solidFill>
@@ -5241,9 +5750,9 @@
                 <a:ea typeface="Verdana" panose="020B0604030504040204" pitchFamily="34" charset="0"/>
                 <a:cs typeface="Segoe UI" panose="020B0502040204020203" pitchFamily="34" charset="0"/>
               </a:rPr>
-              <a:t>Thank you</a:t>
-            </a:r>
-            <a:endParaRPr lang="en-US" sz="9600" b="1" dirty="0">
+              <a:t>THANKS</a:t>
+            </a:r>
+            <a:endParaRPr xmlns:a="http://schemas.openxmlformats.org/drawingml/2006/main" lang="en-US" sz="9600" b="1" dirty="0">
               <a:solidFill>
                 <a:srgbClr val="7030A0"/>
               </a:solidFill>
@@ -5256,14 +5765,14 @@
       </p:sp>
       <p:sp>
         <p:nvSpPr>
-          <p:cNvPr id="6" name="TextBox 5"/>
+          <p:cNvPr id="8" name="TextBox 5"/>
           <p:cNvSpPr txBox="1"/>
           <p:nvPr/>
         </p:nvSpPr>
         <p:spPr>
           <a:xfrm>
-            <a:off x="2990336" y="2217861"/>
-            <a:ext cx="6230360" cy="1569660"/>
+            <a:off x="4333426" y="2603133"/>
+            <a:ext cx="3456395" cy="1569660"/>
           </a:xfrm>
           <a:prstGeom prst="rect">
             <a:avLst/>
@@ -5274,10 +5783,104 @@
           <a:bodyPr wrap="none" rtlCol="0">
             <a:spAutoFit/>
           </a:bodyPr>
-          <a:lstStyle/>
-          <a:p>
-            <a:r>
-              <a:rPr lang="en-US" sz="9600" b="1" dirty="0" smtClean="0">
+          <a:lstStyle>
+            <a:defPPr>
+              <a:defRPr lang="en-US"/>
+            </a:defPPr>
+            <a:lvl1pPr marL="0" algn="l" defTabSz="914400" rtl="0" eaLnBrk="1" latinLnBrk="0" hangingPunct="1">
+              <a:defRPr sz="1800" kern="1200">
+                <a:solidFill>
+                  <a:schemeClr val="tx1"/>
+                </a:solidFill>
+                <a:latin typeface="+mn-lt"/>
+                <a:ea typeface="+mn-ea"/>
+                <a:cs typeface="+mn-cs"/>
+              </a:defRPr>
+            </a:lvl1pPr>
+            <a:lvl2pPr marL="457200" algn="l" defTabSz="914400" rtl="0" eaLnBrk="1" latinLnBrk="0" hangingPunct="1">
+              <a:defRPr sz="1800" kern="1200">
+                <a:solidFill>
+                  <a:schemeClr val="tx1"/>
+                </a:solidFill>
+                <a:latin typeface="+mn-lt"/>
+                <a:ea typeface="+mn-ea"/>
+                <a:cs typeface="+mn-cs"/>
+              </a:defRPr>
+            </a:lvl2pPr>
+            <a:lvl3pPr marL="914400" algn="l" defTabSz="914400" rtl="0" eaLnBrk="1" latinLnBrk="0" hangingPunct="1">
+              <a:defRPr sz="1800" kern="1200">
+                <a:solidFill>
+                  <a:schemeClr val="tx1"/>
+                </a:solidFill>
+                <a:latin typeface="+mn-lt"/>
+                <a:ea typeface="+mn-ea"/>
+                <a:cs typeface="+mn-cs"/>
+              </a:defRPr>
+            </a:lvl3pPr>
+            <a:lvl4pPr marL="1371600" algn="l" defTabSz="914400" rtl="0" eaLnBrk="1" latinLnBrk="0" hangingPunct="1">
+              <a:defRPr sz="1800" kern="1200">
+                <a:solidFill>
+                  <a:schemeClr val="tx1"/>
+                </a:solidFill>
+                <a:latin typeface="+mn-lt"/>
+                <a:ea typeface="+mn-ea"/>
+                <a:cs typeface="+mn-cs"/>
+              </a:defRPr>
+            </a:lvl4pPr>
+            <a:lvl5pPr marL="1828800" algn="l" defTabSz="914400" rtl="0" eaLnBrk="1" latinLnBrk="0" hangingPunct="1">
+              <a:defRPr sz="1800" kern="1200">
+                <a:solidFill>
+                  <a:schemeClr val="tx1"/>
+                </a:solidFill>
+                <a:latin typeface="+mn-lt"/>
+                <a:ea typeface="+mn-ea"/>
+                <a:cs typeface="+mn-cs"/>
+              </a:defRPr>
+            </a:lvl5pPr>
+            <a:lvl6pPr marL="2286000" algn="l" defTabSz="914400" rtl="0" eaLnBrk="1" latinLnBrk="0" hangingPunct="1">
+              <a:defRPr sz="1800" kern="1200">
+                <a:solidFill>
+                  <a:schemeClr val="tx1"/>
+                </a:solidFill>
+                <a:latin typeface="+mn-lt"/>
+                <a:ea typeface="+mn-ea"/>
+                <a:cs typeface="+mn-cs"/>
+              </a:defRPr>
+            </a:lvl6pPr>
+            <a:lvl7pPr marL="2743200" algn="l" defTabSz="914400" rtl="0" eaLnBrk="1" latinLnBrk="0" hangingPunct="1">
+              <a:defRPr sz="1800" kern="1200">
+                <a:solidFill>
+                  <a:schemeClr val="tx1"/>
+                </a:solidFill>
+                <a:latin typeface="+mn-lt"/>
+                <a:ea typeface="+mn-ea"/>
+                <a:cs typeface="+mn-cs"/>
+              </a:defRPr>
+            </a:lvl7pPr>
+            <a:lvl8pPr marL="3200400" algn="l" defTabSz="914400" rtl="0" eaLnBrk="1" latinLnBrk="0" hangingPunct="1">
+              <a:defRPr sz="1800" kern="1200">
+                <a:solidFill>
+                  <a:schemeClr val="tx1"/>
+                </a:solidFill>
+                <a:latin typeface="+mn-lt"/>
+                <a:ea typeface="+mn-ea"/>
+                <a:cs typeface="+mn-cs"/>
+              </a:defRPr>
+            </a:lvl8pPr>
+            <a:lvl9pPr marL="3657600" algn="l" defTabSz="914400" rtl="0" eaLnBrk="1" latinLnBrk="0" hangingPunct="1">
+              <a:defRPr sz="1800" kern="1200">
+                <a:solidFill>
+                  <a:schemeClr val="tx1"/>
+                </a:solidFill>
+                <a:latin typeface="+mn-lt"/>
+                <a:ea typeface="+mn-ea"/>
+                <a:cs typeface="+mn-cs"/>
+              </a:defRPr>
+            </a:lvl9pPr>
+          </a:lstStyle>
+          <a:p>
+            <a:r xmlns:a="http://schemas.openxmlformats.org/drawingml/2006/main">
+              <a:rPr lang="en" sz="9600" b="1" dirty="0" smtClean="0">
                 <a:solidFill>
                   <a:schemeClr val="bg1"/>
                 </a:solidFill>
@@ -5285,9 +5888,9 @@
                 <a:ea typeface="Verdana" panose="020B0604030504040204" pitchFamily="34" charset="0"/>
                 <a:cs typeface="Segoe UI" panose="020B0502040204020203" pitchFamily="34" charset="0"/>
               </a:rPr>
-              <a:t>Thank you</a:t>
-            </a:r>
-            <a:endParaRPr lang="en-US" sz="9600" b="1" dirty="0">
+              <a:t>THANKS</a:t>
+            </a:r>
+            <a:endParaRPr xmlns:a="http://schemas.openxmlformats.org/drawingml/2006/main" lang="en-US" sz="9600" b="1" dirty="0">
               <a:solidFill>
                 <a:schemeClr val="bg1"/>
               </a:solidFill>
